--- a/modeling/Final_Project_Slides.pptx
+++ b/modeling/Final_Project_Slides.pptx
@@ -5,7 +5,7 @@
     <p:sldMasterId id="2147483648" r:id="rId1"/>
   </p:sldMasterIdLst>
   <p:notesMasterIdLst>
-    <p:notesMasterId r:id="rId15"/>
+    <p:notesMasterId r:id="rId13"/>
   </p:notesMasterIdLst>
   <p:sldIdLst>
     <p:sldId id="256" r:id="rId2"/>
@@ -14,34 +14,26 @@
     <p:sldId id="259" r:id="rId5"/>
     <p:sldId id="260" r:id="rId6"/>
     <p:sldId id="261" r:id="rId7"/>
-    <p:sldId id="262" r:id="rId8"/>
-    <p:sldId id="263" r:id="rId9"/>
-    <p:sldId id="264" r:id="rId10"/>
-    <p:sldId id="266" r:id="rId11"/>
-    <p:sldId id="267" r:id="rId12"/>
-    <p:sldId id="268" r:id="rId13"/>
-    <p:sldId id="265" r:id="rId14"/>
+    <p:sldId id="266" r:id="rId8"/>
+    <p:sldId id="269" r:id="rId9"/>
+    <p:sldId id="267" r:id="rId10"/>
+    <p:sldId id="268" r:id="rId11"/>
+    <p:sldId id="265" r:id="rId12"/>
   </p:sldIdLst>
   <p:sldSz cx="9144000" cy="5143500" type="screen16x9"/>
   <p:notesSz cx="6858000" cy="9144000"/>
   <p:embeddedFontLst>
     <p:embeddedFont>
       <p:font typeface="Inter" panose="020B0604020202020204" charset="0"/>
-      <p:regular r:id="rId16"/>
-      <p:bold r:id="rId17"/>
-    </p:embeddedFont>
-    <p:embeddedFont>
-      <p:font typeface="Libre Baskerville" panose="020B0604020202020204" charset="0"/>
-      <p:regular r:id="rId18"/>
-      <p:bold r:id="rId19"/>
-      <p:italic r:id="rId20"/>
+      <p:regular r:id="rId14"/>
+      <p:bold r:id="rId15"/>
     </p:embeddedFont>
     <p:embeddedFont>
       <p:font typeface="Raleway" panose="020B0604020202020204" charset="0"/>
-      <p:regular r:id="rId21"/>
-      <p:bold r:id="rId22"/>
-      <p:italic r:id="rId23"/>
-      <p:boldItalic r:id="rId24"/>
+      <p:regular r:id="rId16"/>
+      <p:bold r:id="rId17"/>
+      <p:italic r:id="rId18"/>
+      <p:boldItalic r:id="rId19"/>
     </p:embeddedFont>
   </p:embeddedFontLst>
   <p:defaultTextStyle>
@@ -284,10 +276,8 @@
             <p14:sldId id="259"/>
             <p14:sldId id="260"/>
             <p14:sldId id="261"/>
-            <p14:sldId id="262"/>
-            <p14:sldId id="263"/>
-            <p14:sldId id="264"/>
             <p14:sldId id="266"/>
+            <p14:sldId id="269"/>
             <p14:sldId id="267"/>
             <p14:sldId id="268"/>
           </p14:sldIdLst>
@@ -303,7 +293,7 @@
       <p15:sldGuideLst xmlns:p15="http://schemas.microsoft.com/office/powerpoint/2012/main"/>
     </p:ext>
     <p:ext uri="http://customooxmlschemas.google.com/">
-      <go:slidesCustomData xmlns="" xmlns:mc="http://schemas.openxmlformats.org/markup-compatibility/2006" xmlns:mv="urn:schemas-microsoft-com:mac:vml" xmlns:c="http://schemas.openxmlformats.org/drawingml/2006/chart" xmlns:dgm="http://schemas.openxmlformats.org/drawingml/2006/diagram" xmlns:o="urn:schemas-microsoft-com:office:office" xmlns:v="urn:schemas-microsoft-com:vml" xmlns:pvml="urn:schemas-microsoft-com:office:powerpoint" xmlns:com="http://schemas.openxmlformats.org/drawingml/2006/compatibility" xmlns:p14="http://schemas.microsoft.com/office/powerpoint/2010/main" xmlns:p15="http://schemas.microsoft.com/office/powerpoint/2012/main" xmlns:ahyp="http://schemas.microsoft.com/office/drawing/2018/hyperlinkcolor" xmlns:go="http://customooxmlschemas.google.com/" r:id="rId25" roundtripDataSignature="AMtx7mhI9E96QVngwqH1jdo6tPLyGgEsMw=="/>
+      <go:slidesCustomData xmlns:go="http://customooxmlschemas.google.com/" xmlns:ahyp="http://schemas.microsoft.com/office/drawing/2018/hyperlinkcolor" xmlns:p15="http://schemas.microsoft.com/office/powerpoint/2012/main" xmlns:p14="http://schemas.microsoft.com/office/powerpoint/2010/main" xmlns:com="http://schemas.openxmlformats.org/drawingml/2006/compatibility" xmlns:pvml="urn:schemas-microsoft-com:office:powerpoint" xmlns:v="urn:schemas-microsoft-com:vml" xmlns:o="urn:schemas-microsoft-com:office:office" xmlns:dgm="http://schemas.openxmlformats.org/drawingml/2006/diagram" xmlns:c="http://schemas.openxmlformats.org/drawingml/2006/chart" xmlns:mv="urn:schemas-microsoft-com:mac:vml" xmlns:mc="http://schemas.openxmlformats.org/markup-compatibility/2006" xmlns="" r:id="rId25" roundtripDataSignature="AMtx7mhI9E96QVngwqH1jdo6tPLyGgEsMw=="/>
     </p:ext>
   </p:extLst>
 </p:presentation>
@@ -1124,7 +1114,7 @@
     </p:spTree>
     <p:extLst>
       <p:ext uri="{BB962C8B-B14F-4D97-AF65-F5344CB8AC3E}">
-        <p14:creationId xmlns:p14="http://schemas.microsoft.com/office/powerpoint/2010/main" val="3970796763"/>
+        <p14:creationId xmlns:p14="http://schemas.microsoft.com/office/powerpoint/2010/main" val="2135444811"/>
       </p:ext>
     </p:extLst>
   </p:cSld>
@@ -1135,260 +1125,6 @@
 </file>
 
 <file path=ppt/notesSlides/notesSlide11.xml><?xml version="1.0" encoding="utf-8"?>
-<p:notes xmlns:a="http://schemas.openxmlformats.org/drawingml/2006/main" xmlns:r="http://schemas.openxmlformats.org/officeDocument/2006/relationships" xmlns:p="http://schemas.openxmlformats.org/presentationml/2006/main" showMasterSp="0" showMasterPhAnim="0">
-  <p:cSld>
-    <p:spTree>
-      <p:nvGrpSpPr>
-        <p:cNvPr id="1" name="Shape 115"/>
-        <p:cNvGrpSpPr/>
-        <p:nvPr/>
-      </p:nvGrpSpPr>
-      <p:grpSpPr>
-        <a:xfrm>
-          <a:off x="0" y="0"/>
-          <a:ext cx="0" cy="0"/>
-          <a:chOff x="0" y="0"/>
-          <a:chExt cx="0" cy="0"/>
-        </a:xfrm>
-      </p:grpSpPr>
-      <p:sp>
-        <p:nvSpPr>
-          <p:cNvPr id="116" name="Google Shape;116;p6:notes"/>
-          <p:cNvSpPr>
-            <a:spLocks noGrp="1" noRot="1" noChangeAspect="1"/>
-          </p:cNvSpPr>
-          <p:nvPr>
-            <p:ph type="sldImg" idx="2"/>
-          </p:nvPr>
-        </p:nvSpPr>
-        <p:spPr>
-          <a:xfrm>
-            <a:off x="381000" y="685800"/>
-            <a:ext cx="6096000" cy="3429000"/>
-          </a:xfrm>
-          <a:custGeom>
-            <a:avLst/>
-            <a:gdLst/>
-            <a:ahLst/>
-            <a:cxnLst/>
-            <a:rect l="l" t="t" r="r" b="b"/>
-            <a:pathLst>
-              <a:path w="120000" h="120000" extrusionOk="0">
-                <a:moveTo>
-                  <a:pt x="0" y="0"/>
-                </a:moveTo>
-                <a:lnTo>
-                  <a:pt x="120000" y="0"/>
-                </a:lnTo>
-                <a:lnTo>
-                  <a:pt x="120000" y="120000"/>
-                </a:lnTo>
-                <a:lnTo>
-                  <a:pt x="0" y="120000"/>
-                </a:lnTo>
-                <a:close/>
-              </a:path>
-            </a:pathLst>
-          </a:custGeom>
-          <a:noFill/>
-          <a:ln w="9525" cap="flat" cmpd="sng">
-            <a:solidFill>
-              <a:srgbClr val="000000"/>
-            </a:solidFill>
-            <a:prstDash val="solid"/>
-            <a:round/>
-            <a:headEnd type="none" w="sm" len="sm"/>
-            <a:tailEnd type="none" w="sm" len="sm"/>
-          </a:ln>
-        </p:spPr>
-      </p:sp>
-      <p:sp>
-        <p:nvSpPr>
-          <p:cNvPr id="117" name="Google Shape;117;p6:notes"/>
-          <p:cNvSpPr txBox="1">
-            <a:spLocks noGrp="1"/>
-          </p:cNvSpPr>
-          <p:nvPr>
-            <p:ph type="body" idx="1"/>
-          </p:nvPr>
-        </p:nvSpPr>
-        <p:spPr>
-          <a:xfrm>
-            <a:off x="685800" y="4343400"/>
-            <a:ext cx="5486400" cy="4114800"/>
-          </a:xfrm>
-          <a:prstGeom prst="rect">
-            <a:avLst/>
-          </a:prstGeom>
-          <a:noFill/>
-          <a:ln>
-            <a:noFill/>
-          </a:ln>
-        </p:spPr>
-        <p:txBody>
-          <a:bodyPr spcFirstLastPara="1" wrap="square" lIns="91425" tIns="91425" rIns="91425" bIns="91425" anchor="t" anchorCtr="0">
-            <a:noAutofit/>
-          </a:bodyPr>
-          <a:lstStyle/>
-          <a:p>
-            <a:pPr marL="0" lvl="0" indent="0" algn="l" rtl="0">
-              <a:lnSpc>
-                <a:spcPct val="100000"/>
-              </a:lnSpc>
-              <a:spcBef>
-                <a:spcPts val="0"/>
-              </a:spcBef>
-              <a:spcAft>
-                <a:spcPts val="0"/>
-              </a:spcAft>
-              <a:buSzPts val="1100"/>
-              <a:buNone/>
-            </a:pPr>
-            <a:endParaRPr/>
-          </a:p>
-        </p:txBody>
-      </p:sp>
-    </p:spTree>
-    <p:extLst>
-      <p:ext uri="{BB962C8B-B14F-4D97-AF65-F5344CB8AC3E}">
-        <p14:creationId xmlns:p14="http://schemas.microsoft.com/office/powerpoint/2010/main" val="925437097"/>
-      </p:ext>
-    </p:extLst>
-  </p:cSld>
-  <p:clrMapOvr>
-    <a:masterClrMapping/>
-  </p:clrMapOvr>
-</p:notes>
-</file>
-
-<file path=ppt/notesSlides/notesSlide12.xml><?xml version="1.0" encoding="utf-8"?>
-<p:notes xmlns:a="http://schemas.openxmlformats.org/drawingml/2006/main" xmlns:r="http://schemas.openxmlformats.org/officeDocument/2006/relationships" xmlns:p="http://schemas.openxmlformats.org/presentationml/2006/main" showMasterSp="0" showMasterPhAnim="0">
-  <p:cSld>
-    <p:spTree>
-      <p:nvGrpSpPr>
-        <p:cNvPr id="1" name="Shape 115"/>
-        <p:cNvGrpSpPr/>
-        <p:nvPr/>
-      </p:nvGrpSpPr>
-      <p:grpSpPr>
-        <a:xfrm>
-          <a:off x="0" y="0"/>
-          <a:ext cx="0" cy="0"/>
-          <a:chOff x="0" y="0"/>
-          <a:chExt cx="0" cy="0"/>
-        </a:xfrm>
-      </p:grpSpPr>
-      <p:sp>
-        <p:nvSpPr>
-          <p:cNvPr id="116" name="Google Shape;116;p6:notes"/>
-          <p:cNvSpPr>
-            <a:spLocks noGrp="1" noRot="1" noChangeAspect="1"/>
-          </p:cNvSpPr>
-          <p:nvPr>
-            <p:ph type="sldImg" idx="2"/>
-          </p:nvPr>
-        </p:nvSpPr>
-        <p:spPr>
-          <a:xfrm>
-            <a:off x="381000" y="685800"/>
-            <a:ext cx="6096000" cy="3429000"/>
-          </a:xfrm>
-          <a:custGeom>
-            <a:avLst/>
-            <a:gdLst/>
-            <a:ahLst/>
-            <a:cxnLst/>
-            <a:rect l="l" t="t" r="r" b="b"/>
-            <a:pathLst>
-              <a:path w="120000" h="120000" extrusionOk="0">
-                <a:moveTo>
-                  <a:pt x="0" y="0"/>
-                </a:moveTo>
-                <a:lnTo>
-                  <a:pt x="120000" y="0"/>
-                </a:lnTo>
-                <a:lnTo>
-                  <a:pt x="120000" y="120000"/>
-                </a:lnTo>
-                <a:lnTo>
-                  <a:pt x="0" y="120000"/>
-                </a:lnTo>
-                <a:close/>
-              </a:path>
-            </a:pathLst>
-          </a:custGeom>
-          <a:noFill/>
-          <a:ln w="9525" cap="flat" cmpd="sng">
-            <a:solidFill>
-              <a:srgbClr val="000000"/>
-            </a:solidFill>
-            <a:prstDash val="solid"/>
-            <a:round/>
-            <a:headEnd type="none" w="sm" len="sm"/>
-            <a:tailEnd type="none" w="sm" len="sm"/>
-          </a:ln>
-        </p:spPr>
-      </p:sp>
-      <p:sp>
-        <p:nvSpPr>
-          <p:cNvPr id="117" name="Google Shape;117;p6:notes"/>
-          <p:cNvSpPr txBox="1">
-            <a:spLocks noGrp="1"/>
-          </p:cNvSpPr>
-          <p:nvPr>
-            <p:ph type="body" idx="1"/>
-          </p:nvPr>
-        </p:nvSpPr>
-        <p:spPr>
-          <a:xfrm>
-            <a:off x="685800" y="4343400"/>
-            <a:ext cx="5486400" cy="4114800"/>
-          </a:xfrm>
-          <a:prstGeom prst="rect">
-            <a:avLst/>
-          </a:prstGeom>
-          <a:noFill/>
-          <a:ln>
-            <a:noFill/>
-          </a:ln>
-        </p:spPr>
-        <p:txBody>
-          <a:bodyPr spcFirstLastPara="1" wrap="square" lIns="91425" tIns="91425" rIns="91425" bIns="91425" anchor="t" anchorCtr="0">
-            <a:noAutofit/>
-          </a:bodyPr>
-          <a:lstStyle/>
-          <a:p>
-            <a:pPr marL="0" lvl="0" indent="0" algn="l" rtl="0">
-              <a:lnSpc>
-                <a:spcPct val="100000"/>
-              </a:lnSpc>
-              <a:spcBef>
-                <a:spcPts val="0"/>
-              </a:spcBef>
-              <a:spcAft>
-                <a:spcPts val="0"/>
-              </a:spcAft>
-              <a:buSzPts val="1100"/>
-              <a:buNone/>
-            </a:pPr>
-            <a:endParaRPr/>
-          </a:p>
-        </p:txBody>
-      </p:sp>
-    </p:spTree>
-    <p:extLst>
-      <p:ext uri="{BB962C8B-B14F-4D97-AF65-F5344CB8AC3E}">
-        <p14:creationId xmlns:p14="http://schemas.microsoft.com/office/powerpoint/2010/main" val="2135444811"/>
-      </p:ext>
-    </p:extLst>
-  </p:cSld>
-  <p:clrMapOvr>
-    <a:masterClrMapping/>
-  </p:clrMapOvr>
-</p:notes>
-</file>
-
-<file path=ppt/notesSlides/notesSlide13.xml><?xml version="1.0" encoding="utf-8"?>
 <p:notes xmlns:a="http://schemas.openxmlformats.org/drawingml/2006/main" xmlns:r="http://schemas.openxmlformats.org/officeDocument/2006/relationships" xmlns:p="http://schemas.openxmlformats.org/presentationml/2006/main" showMasterSp="0" showMasterPhAnim="0">
   <p:cSld>
     <p:spTree>
@@ -1783,7 +1519,7 @@
         </p:nvSpPr>
         <p:spPr>
           <a:xfrm>
-            <a:off x="381300" y="685800"/>
+            <a:off x="381000" y="685800"/>
             <a:ext cx="6096000" cy="3429000"/>
           </a:xfrm>
           <a:custGeom>
@@ -2027,7 +1763,7 @@
         </p:nvSpPr>
         <p:spPr>
           <a:xfrm>
-            <a:off x="381300" y="685800"/>
+            <a:off x="381000" y="685800"/>
             <a:ext cx="6096000" cy="3429000"/>
           </a:xfrm>
           <a:custGeom>
@@ -2125,7 +1861,7 @@
   <p:cSld>
     <p:spTree>
       <p:nvGrpSpPr>
-        <p:cNvPr id="1" name="Shape 99"/>
+        <p:cNvPr id="1" name="Shape 115"/>
         <p:cNvGrpSpPr/>
         <p:nvPr/>
       </p:nvGrpSpPr>
@@ -2139,7 +1875,7 @@
       </p:grpSpPr>
       <p:sp>
         <p:nvSpPr>
-          <p:cNvPr id="100" name="Google Shape;100;p4:notes"/>
+          <p:cNvPr id="116" name="Google Shape;116;p6:notes"/>
           <p:cNvSpPr>
             <a:spLocks noGrp="1" noRot="1" noChangeAspect="1"/>
           </p:cNvSpPr>
@@ -2149,7 +1885,7 @@
         </p:nvSpPr>
         <p:spPr>
           <a:xfrm>
-            <a:off x="381300" y="685800"/>
+            <a:off x="381000" y="685800"/>
             <a:ext cx="6096000" cy="3429000"/>
           </a:xfrm>
           <a:custGeom>
@@ -2190,7 +1926,7 @@
       </p:sp>
       <p:sp>
         <p:nvSpPr>
-          <p:cNvPr id="101" name="Google Shape;101;p4:notes"/>
+          <p:cNvPr id="117" name="Google Shape;117;p6:notes"/>
           <p:cNvSpPr txBox="1">
             <a:spLocks noGrp="1"/>
           </p:cNvSpPr>
@@ -2235,6 +1971,11 @@
         </p:txBody>
       </p:sp>
     </p:spTree>
+    <p:extLst>
+      <p:ext uri="{BB962C8B-B14F-4D97-AF65-F5344CB8AC3E}">
+        <p14:creationId xmlns:p14="http://schemas.microsoft.com/office/powerpoint/2010/main" val="3970796763"/>
+      </p:ext>
+    </p:extLst>
   </p:cSld>
   <p:clrMapOvr>
     <a:masterClrMapping/>
@@ -2247,7 +1988,7 @@
   <p:cSld>
     <p:spTree>
       <p:nvGrpSpPr>
-        <p:cNvPr id="1" name="Shape 108"/>
+        <p:cNvPr id="1" name="Shape 115"/>
         <p:cNvGrpSpPr/>
         <p:nvPr/>
       </p:nvGrpSpPr>
@@ -2261,7 +2002,7 @@
       </p:grpSpPr>
       <p:sp>
         <p:nvSpPr>
-          <p:cNvPr id="109" name="Google Shape;109;p5:notes"/>
+          <p:cNvPr id="116" name="Google Shape;116;p6:notes"/>
           <p:cNvSpPr>
             <a:spLocks noGrp="1" noRot="1" noChangeAspect="1"/>
           </p:cNvSpPr>
@@ -2271,7 +2012,7 @@
         </p:nvSpPr>
         <p:spPr>
           <a:xfrm>
-            <a:off x="381300" y="685800"/>
+            <a:off x="381000" y="685800"/>
             <a:ext cx="6096000" cy="3429000"/>
           </a:xfrm>
           <a:custGeom>
@@ -2312,7 +2053,7 @@
       </p:sp>
       <p:sp>
         <p:nvSpPr>
-          <p:cNvPr id="110" name="Google Shape;110;p5:notes"/>
+          <p:cNvPr id="117" name="Google Shape;117;p6:notes"/>
           <p:cNvSpPr txBox="1">
             <a:spLocks noGrp="1"/>
           </p:cNvSpPr>
@@ -2357,6 +2098,11 @@
         </p:txBody>
       </p:sp>
     </p:spTree>
+    <p:extLst>
+      <p:ext uri="{BB962C8B-B14F-4D97-AF65-F5344CB8AC3E}">
+        <p14:creationId xmlns:p14="http://schemas.microsoft.com/office/powerpoint/2010/main" val="3928134646"/>
+      </p:ext>
+    </p:extLst>
   </p:cSld>
   <p:clrMapOvr>
     <a:masterClrMapping/>
@@ -2479,6 +2225,11 @@
         </p:txBody>
       </p:sp>
     </p:spTree>
+    <p:extLst>
+      <p:ext uri="{BB962C8B-B14F-4D97-AF65-F5344CB8AC3E}">
+        <p14:creationId xmlns:p14="http://schemas.microsoft.com/office/powerpoint/2010/main" val="925437097"/>
+      </p:ext>
+    </p:extLst>
   </p:cSld>
   <p:clrMapOvr>
     <a:masterClrMapping/>
@@ -10521,79 +10272,33 @@
               <a:buFont typeface="Arial"/>
               <a:buNone/>
             </a:pPr>
-            <a:endParaRPr sz="2500" b="0" i="0" u="none" strike="noStrike" cap="none" dirty="0">
-              <a:solidFill>
-                <a:srgbClr val="0E3449"/>
-              </a:solidFill>
-              <a:latin typeface="Inter"/>
-              <a:ea typeface="Inter"/>
-              <a:cs typeface="Inter"/>
-              <a:sym typeface="Inter"/>
-            </a:endParaRPr>
-          </a:p>
-        </p:txBody>
-      </p:sp>
-      <p:sp>
-        <p:nvSpPr>
-          <p:cNvPr id="120" name="Google Shape;120;p6"/>
-          <p:cNvSpPr txBox="1">
-            <a:spLocks noGrp="1"/>
-          </p:cNvSpPr>
-          <p:nvPr>
-            <p:ph type="ctrTitle" idx="4294967295"/>
-          </p:nvPr>
-        </p:nvSpPr>
-        <p:spPr>
-          <a:xfrm>
-            <a:off x="897364" y="1996409"/>
-            <a:ext cx="5315100" cy="533100"/>
-          </a:xfrm>
-          <a:prstGeom prst="rect">
-            <a:avLst/>
-          </a:prstGeom>
-          <a:noFill/>
-          <a:ln>
-            <a:noFill/>
-          </a:ln>
-        </p:spPr>
-        <p:txBody>
-          <a:bodyPr spcFirstLastPara="1" wrap="square" lIns="91425" tIns="91425" rIns="91425" bIns="91425" anchor="t" anchorCtr="0">
-            <a:noAutofit/>
-          </a:bodyPr>
-          <a:lstStyle/>
-          <a:p>
-            <a:pPr marL="0" marR="0" lvl="0" indent="0" algn="l" rtl="0">
-              <a:lnSpc>
-                <a:spcPct val="100000"/>
-              </a:lnSpc>
-              <a:spcBef>
-                <a:spcPts val="0"/>
-              </a:spcBef>
-              <a:spcAft>
-                <a:spcPts val="0"/>
-              </a:spcAft>
-              <a:buClr>
-                <a:schemeClr val="dk1"/>
-              </a:buClr>
-              <a:buSzPts val="2800"/>
-              <a:buFont typeface="Arial"/>
-              <a:buNone/>
-            </a:pPr>
             <a:r>
-              <a:rPr lang="fr" sz="2000" dirty="0">
-                <a:solidFill>
-                  <a:srgbClr val="4B5258"/>
+              <a:rPr lang="fr" sz="2500" b="0" i="0" u="none" strike="noStrike" cap="none" dirty="0">
+                <a:solidFill>
+                  <a:srgbClr val="0E3449"/>
                 </a:solidFill>
                 <a:latin typeface="Inter"/>
                 <a:ea typeface="Inter"/>
                 <a:cs typeface="Inter"/>
                 <a:sym typeface="Inter"/>
               </a:rPr>
-              <a:t>EDA</a:t>
+              <a:t>Conclusion </a:t>
             </a:r>
-            <a:endParaRPr sz="2000" b="0" i="0" u="none" strike="noStrike" cap="none" dirty="0">
+            <a:r>
+              <a:rPr lang="fr" sz="2500" dirty="0">
+                <a:solidFill>
+                  <a:srgbClr val="0E3449"/>
+                </a:solidFill>
+                <a:latin typeface="Inter"/>
+                <a:ea typeface="Inter"/>
+                <a:cs typeface="Inter"/>
+                <a:sym typeface="Inter"/>
+              </a:rPr>
+              <a:t>&amp; Perspectives</a:t>
+            </a:r>
+            <a:endParaRPr sz="2500" b="0" i="0" u="none" strike="noStrike" cap="none" dirty="0">
               <a:solidFill>
-                <a:srgbClr val="4B5258"/>
+                <a:srgbClr val="0E3449"/>
               </a:solidFill>
               <a:latin typeface="Inter"/>
               <a:ea typeface="Inter"/>
@@ -10863,7 +10568,7 @@
     </p:spTree>
     <p:extLst>
       <p:ext uri="{BB962C8B-B14F-4D97-AF65-F5344CB8AC3E}">
-        <p14:creationId xmlns:p14="http://schemas.microsoft.com/office/powerpoint/2010/main" val="3908887064"/>
+        <p14:creationId xmlns:p14="http://schemas.microsoft.com/office/powerpoint/2010/main" val="4180600341"/>
       </p:ext>
     </p:extLst>
   </p:cSld>
@@ -10874,1075 +10579,6 @@
 </file>
 
 <file path=ppt/slides/slide11.xml><?xml version="1.0" encoding="utf-8"?>
-<p:sld xmlns:a="http://schemas.openxmlformats.org/drawingml/2006/main" xmlns:r="http://schemas.openxmlformats.org/officeDocument/2006/relationships" xmlns:p="http://schemas.openxmlformats.org/presentationml/2006/main">
-  <p:cSld>
-    <p:spTree>
-      <p:nvGrpSpPr>
-        <p:cNvPr id="1" name="Shape 118"/>
-        <p:cNvGrpSpPr/>
-        <p:nvPr/>
-      </p:nvGrpSpPr>
-      <p:grpSpPr>
-        <a:xfrm>
-          <a:off x="0" y="0"/>
-          <a:ext cx="0" cy="0"/>
-          <a:chOff x="0" y="0"/>
-          <a:chExt cx="0" cy="0"/>
-        </a:xfrm>
-      </p:grpSpPr>
-      <p:sp>
-        <p:nvSpPr>
-          <p:cNvPr id="119" name="Google Shape;119;p6"/>
-          <p:cNvSpPr txBox="1">
-            <a:spLocks noGrp="1"/>
-          </p:cNvSpPr>
-          <p:nvPr>
-            <p:ph type="ctrTitle" idx="4294967295"/>
-          </p:nvPr>
-        </p:nvSpPr>
-        <p:spPr>
-          <a:xfrm>
-            <a:off x="1192664" y="403309"/>
-            <a:ext cx="6248916" cy="533100"/>
-          </a:xfrm>
-          <a:prstGeom prst="rect">
-            <a:avLst/>
-          </a:prstGeom>
-          <a:noFill/>
-          <a:ln>
-            <a:noFill/>
-          </a:ln>
-        </p:spPr>
-        <p:txBody>
-          <a:bodyPr spcFirstLastPara="1" wrap="square" lIns="91425" tIns="91425" rIns="91425" bIns="91425" anchor="t" anchorCtr="0">
-            <a:noAutofit/>
-          </a:bodyPr>
-          <a:lstStyle/>
-          <a:p>
-            <a:pPr marL="0" marR="0" lvl="0" indent="0" algn="l" rtl="0">
-              <a:lnSpc>
-                <a:spcPct val="100000"/>
-              </a:lnSpc>
-              <a:spcBef>
-                <a:spcPts val="0"/>
-              </a:spcBef>
-              <a:spcAft>
-                <a:spcPts val="0"/>
-              </a:spcAft>
-              <a:buClr>
-                <a:schemeClr val="dk1"/>
-              </a:buClr>
-              <a:buSzPts val="2800"/>
-              <a:buFont typeface="Arial"/>
-              <a:buNone/>
-            </a:pPr>
-            <a:r>
-              <a:rPr lang="fr" sz="2500" dirty="0">
-                <a:solidFill>
-                  <a:srgbClr val="0E3449"/>
-                </a:solidFill>
-                <a:latin typeface="Inter"/>
-                <a:ea typeface="Inter"/>
-                <a:cs typeface="Inter"/>
-                <a:sym typeface="Inter"/>
-              </a:rPr>
-              <a:t>Modélisation et Résultats</a:t>
-            </a:r>
-            <a:endParaRPr sz="2500" b="0" i="0" u="none" strike="noStrike" cap="none" dirty="0">
-              <a:solidFill>
-                <a:srgbClr val="0E3449"/>
-              </a:solidFill>
-              <a:latin typeface="Inter"/>
-              <a:ea typeface="Inter"/>
-              <a:cs typeface="Inter"/>
-              <a:sym typeface="Inter"/>
-            </a:endParaRPr>
-          </a:p>
-        </p:txBody>
-      </p:sp>
-      <p:pic>
-        <p:nvPicPr>
-          <p:cNvPr id="126" name="Google Shape;126;p6"/>
-          <p:cNvPicPr preferRelativeResize="0"/>
-          <p:nvPr/>
-        </p:nvPicPr>
-        <p:blipFill rotWithShape="1">
-          <a:blip r:embed="rId3">
-            <a:alphaModFix/>
-          </a:blip>
-          <a:srcRect/>
-          <a:stretch/>
-        </p:blipFill>
-        <p:spPr>
-          <a:xfrm>
-            <a:off x="463375" y="482852"/>
-            <a:ext cx="576900" cy="385904"/>
-          </a:xfrm>
-          <a:prstGeom prst="rect">
-            <a:avLst/>
-          </a:prstGeom>
-          <a:noFill/>
-          <a:ln>
-            <a:noFill/>
-          </a:ln>
-        </p:spPr>
-      </p:pic>
-      <p:sp>
-        <p:nvSpPr>
-          <p:cNvPr id="127" name="Google Shape;127;p6"/>
-          <p:cNvSpPr/>
-          <p:nvPr/>
-        </p:nvSpPr>
-        <p:spPr>
-          <a:xfrm>
-            <a:off x="10225" y="4892025"/>
-            <a:ext cx="9144000" cy="251400"/>
-          </a:xfrm>
-          <a:prstGeom prst="rect">
-            <a:avLst/>
-          </a:prstGeom>
-          <a:solidFill>
-            <a:srgbClr val="C3FFFC"/>
-          </a:solidFill>
-          <a:ln>
-            <a:noFill/>
-          </a:ln>
-        </p:spPr>
-        <p:txBody>
-          <a:bodyPr spcFirstLastPara="1" wrap="square" lIns="91425" tIns="91425" rIns="91425" bIns="91425" anchor="ctr" anchorCtr="0">
-            <a:noAutofit/>
-          </a:bodyPr>
-          <a:lstStyle/>
-          <a:p>
-            <a:pPr marL="0" marR="0" lvl="0" indent="0" algn="l" rtl="0">
-              <a:lnSpc>
-                <a:spcPct val="100000"/>
-              </a:lnSpc>
-              <a:spcBef>
-                <a:spcPts val="0"/>
-              </a:spcBef>
-              <a:spcAft>
-                <a:spcPts val="0"/>
-              </a:spcAft>
-              <a:buClr>
-                <a:srgbClr val="000000"/>
-              </a:buClr>
-              <a:buSzPts val="1400"/>
-              <a:buFont typeface="Arial"/>
-              <a:buNone/>
-            </a:pPr>
-            <a:endParaRPr sz="1400" b="0" i="0" u="none" strike="noStrike" cap="none">
-              <a:solidFill>
-                <a:srgbClr val="000000"/>
-              </a:solidFill>
-              <a:latin typeface="Arial"/>
-              <a:ea typeface="Arial"/>
-              <a:cs typeface="Arial"/>
-              <a:sym typeface="Arial"/>
-            </a:endParaRPr>
-          </a:p>
-        </p:txBody>
-      </p:sp>
-      <p:graphicFrame>
-        <p:nvGraphicFramePr>
-          <p:cNvPr id="4" name="Tableau 4">
-            <a:extLst>
-              <a:ext uri="{FF2B5EF4-FFF2-40B4-BE49-F238E27FC236}">
-                <a16:creationId xmlns:a16="http://schemas.microsoft.com/office/drawing/2014/main" id="{B2246729-16EE-4F26-9C73-E9AD38A978A6}"/>
-              </a:ext>
-            </a:extLst>
-          </p:cNvPr>
-          <p:cNvGraphicFramePr>
-            <a:graphicFrameLocks noGrp="1"/>
-          </p:cNvGraphicFramePr>
-          <p:nvPr>
-            <p:extLst>
-              <p:ext uri="{D42A27DB-BD31-4B8C-83A1-F6EECF244321}">
-                <p14:modId xmlns:p14="http://schemas.microsoft.com/office/powerpoint/2010/main" val="3627274540"/>
-              </p:ext>
-            </p:extLst>
-          </p:nvPr>
-        </p:nvGraphicFramePr>
-        <p:xfrm>
-          <a:off x="1048214" y="1531431"/>
-          <a:ext cx="6980662" cy="2869584"/>
-        </p:xfrm>
-        <a:graphic>
-          <a:graphicData uri="http://schemas.openxmlformats.org/drawingml/2006/table">
-            <a:tbl>
-              <a:tblPr firstRow="1" bandRow="1">
-                <a:tableStyleId>{7DF18680-E054-41AD-8BC1-D1AEF772440D}</a:tableStyleId>
-              </a:tblPr>
-              <a:tblGrid>
-                <a:gridCol w="1394314">
-                  <a:extLst>
-                    <a:ext uri="{9D8B030D-6E8A-4147-A177-3AD203B41FA5}">
-                      <a16:colId xmlns:a16="http://schemas.microsoft.com/office/drawing/2014/main" val="3894542023"/>
-                    </a:ext>
-                  </a:extLst>
-                </a:gridCol>
-                <a:gridCol w="1394314">
-                  <a:extLst>
-                    <a:ext uri="{9D8B030D-6E8A-4147-A177-3AD203B41FA5}">
-                      <a16:colId xmlns:a16="http://schemas.microsoft.com/office/drawing/2014/main" val="1991466011"/>
-                    </a:ext>
-                  </a:extLst>
-                </a:gridCol>
-                <a:gridCol w="1394314">
-                  <a:extLst>
-                    <a:ext uri="{9D8B030D-6E8A-4147-A177-3AD203B41FA5}">
-                      <a16:colId xmlns:a16="http://schemas.microsoft.com/office/drawing/2014/main" val="3711043223"/>
-                    </a:ext>
-                  </a:extLst>
-                </a:gridCol>
-                <a:gridCol w="1394314">
-                  <a:extLst>
-                    <a:ext uri="{9D8B030D-6E8A-4147-A177-3AD203B41FA5}">
-                      <a16:colId xmlns:a16="http://schemas.microsoft.com/office/drawing/2014/main" val="784458039"/>
-                    </a:ext>
-                  </a:extLst>
-                </a:gridCol>
-                <a:gridCol w="1403406">
-                  <a:extLst>
-                    <a:ext uri="{9D8B030D-6E8A-4147-A177-3AD203B41FA5}">
-                      <a16:colId xmlns:a16="http://schemas.microsoft.com/office/drawing/2014/main" val="1532345866"/>
-                    </a:ext>
-                  </a:extLst>
-                </a:gridCol>
-              </a:tblGrid>
-              <a:tr h="421105">
-                <a:tc>
-                  <a:txBody>
-                    <a:bodyPr/>
-                    <a:lstStyle/>
-                    <a:p>
-                      <a:r>
-                        <a:rPr lang="fr-FR" dirty="0"/>
-                        <a:t>Modèle</a:t>
-                      </a:r>
-                    </a:p>
-                  </a:txBody>
-                  <a:tcPr/>
-                </a:tc>
-                <a:tc>
-                  <a:txBody>
-                    <a:bodyPr/>
-                    <a:lstStyle/>
-                    <a:p>
-                      <a:r>
-                        <a:rPr lang="fr-FR" dirty="0" err="1"/>
-                        <a:t>Accuracy</a:t>
-                      </a:r>
-                      <a:endParaRPr lang="fr-FR" dirty="0"/>
-                    </a:p>
-                  </a:txBody>
-                  <a:tcPr/>
-                </a:tc>
-                <a:tc>
-                  <a:txBody>
-                    <a:bodyPr/>
-                    <a:lstStyle/>
-                    <a:p>
-                      <a:r>
-                        <a:rPr lang="fr-FR" dirty="0"/>
-                        <a:t>MSE</a:t>
-                      </a:r>
-                    </a:p>
-                  </a:txBody>
-                  <a:tcPr/>
-                </a:tc>
-                <a:tc>
-                  <a:txBody>
-                    <a:bodyPr/>
-                    <a:lstStyle/>
-                    <a:p>
-                      <a:r>
-                        <a:rPr lang="fr-FR" dirty="0"/>
-                        <a:t>MAE</a:t>
-                      </a:r>
-                    </a:p>
-                  </a:txBody>
-                  <a:tcPr/>
-                </a:tc>
-                <a:tc>
-                  <a:txBody>
-                    <a:bodyPr/>
-                    <a:lstStyle/>
-                    <a:p>
-                      <a:r>
-                        <a:rPr lang="fr-FR" dirty="0"/>
-                        <a:t>F1- score</a:t>
-                      </a:r>
-                    </a:p>
-                  </a:txBody>
-                  <a:tcPr/>
-                </a:tc>
-                <a:extLst>
-                  <a:ext uri="{0D108BD9-81ED-4DB2-BD59-A6C34878D82A}">
-                    <a16:rowId xmlns:a16="http://schemas.microsoft.com/office/drawing/2014/main" val="1551395828"/>
-                  </a:ext>
-                </a:extLst>
-              </a:tr>
-              <a:tr h="592582">
-                <a:tc>
-                  <a:txBody>
-                    <a:bodyPr/>
-                    <a:lstStyle/>
-                    <a:p>
-                      <a:r>
-                        <a:rPr lang="fr-FR" dirty="0" err="1"/>
-                        <a:t>Regression</a:t>
-                      </a:r>
-                      <a:r>
-                        <a:rPr lang="fr-FR" dirty="0"/>
-                        <a:t> Linéaire</a:t>
-                      </a:r>
-                    </a:p>
-                  </a:txBody>
-                  <a:tcPr/>
-                </a:tc>
-                <a:tc>
-                  <a:txBody>
-                    <a:bodyPr/>
-                    <a:lstStyle/>
-                    <a:p>
-                      <a:endParaRPr lang="fr-FR"/>
-                    </a:p>
-                  </a:txBody>
-                  <a:tcPr/>
-                </a:tc>
-                <a:tc>
-                  <a:txBody>
-                    <a:bodyPr/>
-                    <a:lstStyle/>
-                    <a:p>
-                      <a:endParaRPr lang="fr-FR"/>
-                    </a:p>
-                  </a:txBody>
-                  <a:tcPr/>
-                </a:tc>
-                <a:tc>
-                  <a:txBody>
-                    <a:bodyPr/>
-                    <a:lstStyle/>
-                    <a:p>
-                      <a:endParaRPr lang="fr-FR"/>
-                    </a:p>
-                  </a:txBody>
-                  <a:tcPr/>
-                </a:tc>
-                <a:tc>
-                  <a:txBody>
-                    <a:bodyPr/>
-                    <a:lstStyle/>
-                    <a:p>
-                      <a:endParaRPr lang="fr-FR"/>
-                    </a:p>
-                  </a:txBody>
-                  <a:tcPr/>
-                </a:tc>
-                <a:extLst>
-                  <a:ext uri="{0D108BD9-81ED-4DB2-BD59-A6C34878D82A}">
-                    <a16:rowId xmlns:a16="http://schemas.microsoft.com/office/drawing/2014/main" val="2888927716"/>
-                  </a:ext>
-                </a:extLst>
-              </a:tr>
-              <a:tr h="592582">
-                <a:tc>
-                  <a:txBody>
-                    <a:bodyPr/>
-                    <a:lstStyle/>
-                    <a:p>
-                      <a:r>
-                        <a:rPr lang="fr-FR" dirty="0" err="1"/>
-                        <a:t>Random</a:t>
-                      </a:r>
-                      <a:r>
-                        <a:rPr lang="fr-FR" dirty="0"/>
-                        <a:t> Forest</a:t>
-                      </a:r>
-                    </a:p>
-                  </a:txBody>
-                  <a:tcPr/>
-                </a:tc>
-                <a:tc>
-                  <a:txBody>
-                    <a:bodyPr/>
-                    <a:lstStyle/>
-                    <a:p>
-                      <a:endParaRPr lang="fr-FR"/>
-                    </a:p>
-                  </a:txBody>
-                  <a:tcPr/>
-                </a:tc>
-                <a:tc>
-                  <a:txBody>
-                    <a:bodyPr/>
-                    <a:lstStyle/>
-                    <a:p>
-                      <a:endParaRPr lang="fr-FR"/>
-                    </a:p>
-                  </a:txBody>
-                  <a:tcPr/>
-                </a:tc>
-                <a:tc>
-                  <a:txBody>
-                    <a:bodyPr/>
-                    <a:lstStyle/>
-                    <a:p>
-                      <a:endParaRPr lang="fr-FR"/>
-                    </a:p>
-                  </a:txBody>
-                  <a:tcPr/>
-                </a:tc>
-                <a:tc>
-                  <a:txBody>
-                    <a:bodyPr/>
-                    <a:lstStyle/>
-                    <a:p>
-                      <a:endParaRPr lang="fr-FR" dirty="0"/>
-                    </a:p>
-                  </a:txBody>
-                  <a:tcPr/>
-                </a:tc>
-                <a:extLst>
-                  <a:ext uri="{0D108BD9-81ED-4DB2-BD59-A6C34878D82A}">
-                    <a16:rowId xmlns:a16="http://schemas.microsoft.com/office/drawing/2014/main" val="1629363566"/>
-                  </a:ext>
-                </a:extLst>
-              </a:tr>
-              <a:tr h="421105">
-                <a:tc>
-                  <a:txBody>
-                    <a:bodyPr/>
-                    <a:lstStyle/>
-                    <a:p>
-                      <a:r>
-                        <a:rPr lang="fr-FR" dirty="0" err="1"/>
-                        <a:t>XGboost</a:t>
-                      </a:r>
-                      <a:endParaRPr lang="fr-FR" dirty="0"/>
-                    </a:p>
-                  </a:txBody>
-                  <a:tcPr/>
-                </a:tc>
-                <a:tc>
-                  <a:txBody>
-                    <a:bodyPr/>
-                    <a:lstStyle/>
-                    <a:p>
-                      <a:endParaRPr lang="fr-FR"/>
-                    </a:p>
-                  </a:txBody>
-                  <a:tcPr/>
-                </a:tc>
-                <a:tc>
-                  <a:txBody>
-                    <a:bodyPr/>
-                    <a:lstStyle/>
-                    <a:p>
-                      <a:endParaRPr lang="fr-FR"/>
-                    </a:p>
-                  </a:txBody>
-                  <a:tcPr/>
-                </a:tc>
-                <a:tc>
-                  <a:txBody>
-                    <a:bodyPr/>
-                    <a:lstStyle/>
-                    <a:p>
-                      <a:endParaRPr lang="fr-FR"/>
-                    </a:p>
-                  </a:txBody>
-                  <a:tcPr/>
-                </a:tc>
-                <a:tc>
-                  <a:txBody>
-                    <a:bodyPr/>
-                    <a:lstStyle/>
-                    <a:p>
-                      <a:endParaRPr lang="fr-FR"/>
-                    </a:p>
-                  </a:txBody>
-                  <a:tcPr/>
-                </a:tc>
-                <a:extLst>
-                  <a:ext uri="{0D108BD9-81ED-4DB2-BD59-A6C34878D82A}">
-                    <a16:rowId xmlns:a16="http://schemas.microsoft.com/office/drawing/2014/main" val="818845409"/>
-                  </a:ext>
-                </a:extLst>
-              </a:tr>
-              <a:tr h="421105">
-                <a:tc>
-                  <a:txBody>
-                    <a:bodyPr/>
-                    <a:lstStyle/>
-                    <a:p>
-                      <a:endParaRPr lang="fr-FR" dirty="0"/>
-                    </a:p>
-                  </a:txBody>
-                  <a:tcPr/>
-                </a:tc>
-                <a:tc>
-                  <a:txBody>
-                    <a:bodyPr/>
-                    <a:lstStyle/>
-                    <a:p>
-                      <a:endParaRPr lang="fr-FR"/>
-                    </a:p>
-                  </a:txBody>
-                  <a:tcPr/>
-                </a:tc>
-                <a:tc>
-                  <a:txBody>
-                    <a:bodyPr/>
-                    <a:lstStyle/>
-                    <a:p>
-                      <a:endParaRPr lang="fr-FR"/>
-                    </a:p>
-                  </a:txBody>
-                  <a:tcPr/>
-                </a:tc>
-                <a:tc>
-                  <a:txBody>
-                    <a:bodyPr/>
-                    <a:lstStyle/>
-                    <a:p>
-                      <a:endParaRPr lang="fr-FR"/>
-                    </a:p>
-                  </a:txBody>
-                  <a:tcPr/>
-                </a:tc>
-                <a:tc>
-                  <a:txBody>
-                    <a:bodyPr/>
-                    <a:lstStyle/>
-                    <a:p>
-                      <a:endParaRPr lang="fr-FR"/>
-                    </a:p>
-                  </a:txBody>
-                  <a:tcPr/>
-                </a:tc>
-                <a:extLst>
-                  <a:ext uri="{0D108BD9-81ED-4DB2-BD59-A6C34878D82A}">
-                    <a16:rowId xmlns:a16="http://schemas.microsoft.com/office/drawing/2014/main" val="3143029204"/>
-                  </a:ext>
-                </a:extLst>
-              </a:tr>
-              <a:tr h="421105">
-                <a:tc>
-                  <a:txBody>
-                    <a:bodyPr/>
-                    <a:lstStyle/>
-                    <a:p>
-                      <a:endParaRPr lang="fr-FR"/>
-                    </a:p>
-                  </a:txBody>
-                  <a:tcPr/>
-                </a:tc>
-                <a:tc>
-                  <a:txBody>
-                    <a:bodyPr/>
-                    <a:lstStyle/>
-                    <a:p>
-                      <a:endParaRPr lang="fr-FR"/>
-                    </a:p>
-                  </a:txBody>
-                  <a:tcPr/>
-                </a:tc>
-                <a:tc>
-                  <a:txBody>
-                    <a:bodyPr/>
-                    <a:lstStyle/>
-                    <a:p>
-                      <a:endParaRPr lang="fr-FR"/>
-                    </a:p>
-                  </a:txBody>
-                  <a:tcPr/>
-                </a:tc>
-                <a:tc>
-                  <a:txBody>
-                    <a:bodyPr/>
-                    <a:lstStyle/>
-                    <a:p>
-                      <a:endParaRPr lang="fr-FR"/>
-                    </a:p>
-                  </a:txBody>
-                  <a:tcPr/>
-                </a:tc>
-                <a:tc>
-                  <a:txBody>
-                    <a:bodyPr/>
-                    <a:lstStyle/>
-                    <a:p>
-                      <a:endParaRPr lang="fr-FR" dirty="0"/>
-                    </a:p>
-                  </a:txBody>
-                  <a:tcPr/>
-                </a:tc>
-                <a:extLst>
-                  <a:ext uri="{0D108BD9-81ED-4DB2-BD59-A6C34878D82A}">
-                    <a16:rowId xmlns:a16="http://schemas.microsoft.com/office/drawing/2014/main" val="1675755959"/>
-                  </a:ext>
-                </a:extLst>
-              </a:tr>
-            </a:tbl>
-          </a:graphicData>
-        </a:graphic>
-      </p:graphicFrame>
-      <p:graphicFrame>
-        <p:nvGraphicFramePr>
-          <p:cNvPr id="5" name="Tableau 4">
-            <a:extLst>
-              <a:ext uri="{FF2B5EF4-FFF2-40B4-BE49-F238E27FC236}">
-                <a16:creationId xmlns:a16="http://schemas.microsoft.com/office/drawing/2014/main" id="{5F6335A2-444D-48EE-82BF-3E7D0D6DDF73}"/>
-              </a:ext>
-            </a:extLst>
-          </p:cNvPr>
-          <p:cNvGraphicFramePr>
-            <a:graphicFrameLocks noGrp="1"/>
-          </p:cNvGraphicFramePr>
-          <p:nvPr>
-            <p:extLst>
-              <p:ext uri="{D42A27DB-BD31-4B8C-83A1-F6EECF244321}">
-                <p14:modId xmlns:p14="http://schemas.microsoft.com/office/powerpoint/2010/main" val="439133501"/>
-              </p:ext>
-            </p:extLst>
-          </p:nvPr>
-        </p:nvGraphicFramePr>
-        <p:xfrm>
-          <a:off x="2438400" y="1137424"/>
-          <a:ext cx="5590475" cy="394010"/>
-        </p:xfrm>
-        <a:graphic>
-          <a:graphicData uri="http://schemas.openxmlformats.org/drawingml/2006/table">
-            <a:tbl>
-              <a:tblPr>
-                <a:tableStyleId>{35758FB7-9AC5-4552-8A53-C91805E547FA}</a:tableStyleId>
-              </a:tblPr>
-              <a:tblGrid>
-                <a:gridCol w="5590475">
-                  <a:extLst>
-                    <a:ext uri="{9D8B030D-6E8A-4147-A177-3AD203B41FA5}">
-                      <a16:colId xmlns:a16="http://schemas.microsoft.com/office/drawing/2014/main" val="3183444217"/>
-                    </a:ext>
-                  </a:extLst>
-                </a:gridCol>
-              </a:tblGrid>
-              <a:tr h="394010">
-                <a:tc>
-                  <a:txBody>
-                    <a:bodyPr/>
-                    <a:lstStyle/>
-                    <a:p>
-                      <a:pPr algn="ctr"/>
-                      <a:r>
-                        <a:rPr lang="fr-FR" sz="1800" b="1" dirty="0">
-                          <a:solidFill>
-                            <a:schemeClr val="accent4">
-                              <a:lumMod val="50000"/>
-                            </a:schemeClr>
-                          </a:solidFill>
-                        </a:rPr>
-                        <a:t>Metrics</a:t>
-                      </a:r>
-                    </a:p>
-                  </a:txBody>
-                  <a:tcPr/>
-                </a:tc>
-                <a:extLst>
-                  <a:ext uri="{0D108BD9-81ED-4DB2-BD59-A6C34878D82A}">
-                    <a16:rowId xmlns:a16="http://schemas.microsoft.com/office/drawing/2014/main" val="1011285497"/>
-                  </a:ext>
-                </a:extLst>
-              </a:tr>
-            </a:tbl>
-          </a:graphicData>
-        </a:graphic>
-      </p:graphicFrame>
-    </p:spTree>
-    <p:extLst>
-      <p:ext uri="{BB962C8B-B14F-4D97-AF65-F5344CB8AC3E}">
-        <p14:creationId xmlns:p14="http://schemas.microsoft.com/office/powerpoint/2010/main" val="3910019749"/>
-      </p:ext>
-    </p:extLst>
-  </p:cSld>
-  <p:clrMapOvr>
-    <a:masterClrMapping/>
-  </p:clrMapOvr>
-</p:sld>
-</file>
-
-<file path=ppt/slides/slide12.xml><?xml version="1.0" encoding="utf-8"?>
-<p:sld xmlns:a="http://schemas.openxmlformats.org/drawingml/2006/main" xmlns:r="http://schemas.openxmlformats.org/officeDocument/2006/relationships" xmlns:p="http://schemas.openxmlformats.org/presentationml/2006/main">
-  <p:cSld>
-    <p:spTree>
-      <p:nvGrpSpPr>
-        <p:cNvPr id="1" name="Shape 118"/>
-        <p:cNvGrpSpPr/>
-        <p:nvPr/>
-      </p:nvGrpSpPr>
-      <p:grpSpPr>
-        <a:xfrm>
-          <a:off x="0" y="0"/>
-          <a:ext cx="0" cy="0"/>
-          <a:chOff x="0" y="0"/>
-          <a:chExt cx="0" cy="0"/>
-        </a:xfrm>
-      </p:grpSpPr>
-      <p:sp>
-        <p:nvSpPr>
-          <p:cNvPr id="119" name="Google Shape;119;p6"/>
-          <p:cNvSpPr txBox="1">
-            <a:spLocks noGrp="1"/>
-          </p:cNvSpPr>
-          <p:nvPr>
-            <p:ph type="ctrTitle" idx="4294967295"/>
-          </p:nvPr>
-        </p:nvSpPr>
-        <p:spPr>
-          <a:xfrm>
-            <a:off x="1192664" y="403309"/>
-            <a:ext cx="6248916" cy="533100"/>
-          </a:xfrm>
-          <a:prstGeom prst="rect">
-            <a:avLst/>
-          </a:prstGeom>
-          <a:noFill/>
-          <a:ln>
-            <a:noFill/>
-          </a:ln>
-        </p:spPr>
-        <p:txBody>
-          <a:bodyPr spcFirstLastPara="1" wrap="square" lIns="91425" tIns="91425" rIns="91425" bIns="91425" anchor="t" anchorCtr="0">
-            <a:noAutofit/>
-          </a:bodyPr>
-          <a:lstStyle/>
-          <a:p>
-            <a:pPr marL="0" marR="0" lvl="0" indent="0" algn="l" rtl="0">
-              <a:lnSpc>
-                <a:spcPct val="100000"/>
-              </a:lnSpc>
-              <a:spcBef>
-                <a:spcPts val="0"/>
-              </a:spcBef>
-              <a:spcAft>
-                <a:spcPts val="0"/>
-              </a:spcAft>
-              <a:buClr>
-                <a:schemeClr val="dk1"/>
-              </a:buClr>
-              <a:buSzPts val="2800"/>
-              <a:buFont typeface="Arial"/>
-              <a:buNone/>
-            </a:pPr>
-            <a:r>
-              <a:rPr lang="fr" sz="2500" b="0" i="0" u="none" strike="noStrike" cap="none" dirty="0">
-                <a:solidFill>
-                  <a:srgbClr val="0E3449"/>
-                </a:solidFill>
-                <a:latin typeface="Inter"/>
-                <a:ea typeface="Inter"/>
-                <a:cs typeface="Inter"/>
-                <a:sym typeface="Inter"/>
-              </a:rPr>
-              <a:t>Conclusion </a:t>
-            </a:r>
-            <a:r>
-              <a:rPr lang="fr" sz="2500" dirty="0">
-                <a:solidFill>
-                  <a:srgbClr val="0E3449"/>
-                </a:solidFill>
-                <a:latin typeface="Inter"/>
-                <a:ea typeface="Inter"/>
-                <a:cs typeface="Inter"/>
-                <a:sym typeface="Inter"/>
-              </a:rPr>
-              <a:t>&amp; Perspectives</a:t>
-            </a:r>
-            <a:endParaRPr sz="2500" b="0" i="0" u="none" strike="noStrike" cap="none" dirty="0">
-              <a:solidFill>
-                <a:srgbClr val="0E3449"/>
-              </a:solidFill>
-              <a:latin typeface="Inter"/>
-              <a:ea typeface="Inter"/>
-              <a:cs typeface="Inter"/>
-              <a:sym typeface="Inter"/>
-            </a:endParaRPr>
-          </a:p>
-        </p:txBody>
-      </p:sp>
-      <p:sp>
-        <p:nvSpPr>
-          <p:cNvPr id="121" name="Google Shape;121;p6"/>
-          <p:cNvSpPr/>
-          <p:nvPr/>
-        </p:nvSpPr>
-        <p:spPr>
-          <a:xfrm rot="-355994">
-            <a:off x="559852" y="2239609"/>
-            <a:ext cx="261199" cy="46747"/>
-          </a:xfrm>
-          <a:prstGeom prst="roundRect">
-            <a:avLst>
-              <a:gd name="adj" fmla="val 50000"/>
-            </a:avLst>
-          </a:prstGeom>
-          <a:solidFill>
-            <a:srgbClr val="C3FFFC"/>
-          </a:solidFill>
-          <a:ln>
-            <a:noFill/>
-          </a:ln>
-        </p:spPr>
-        <p:txBody>
-          <a:bodyPr spcFirstLastPara="1" wrap="square" lIns="91425" tIns="91425" rIns="91425" bIns="91425" anchor="ctr" anchorCtr="0">
-            <a:noAutofit/>
-          </a:bodyPr>
-          <a:lstStyle/>
-          <a:p>
-            <a:pPr marL="0" marR="0" lvl="0" indent="0" algn="l" rtl="0">
-              <a:lnSpc>
-                <a:spcPct val="100000"/>
-              </a:lnSpc>
-              <a:spcBef>
-                <a:spcPts val="0"/>
-              </a:spcBef>
-              <a:spcAft>
-                <a:spcPts val="0"/>
-              </a:spcAft>
-              <a:buClr>
-                <a:srgbClr val="000000"/>
-              </a:buClr>
-              <a:buSzPts val="1400"/>
-              <a:buFont typeface="Arial"/>
-              <a:buNone/>
-            </a:pPr>
-            <a:endParaRPr sz="1400" b="0" i="0" u="none" strike="noStrike" cap="none">
-              <a:solidFill>
-                <a:srgbClr val="000000"/>
-              </a:solidFill>
-              <a:latin typeface="Arial"/>
-              <a:ea typeface="Arial"/>
-              <a:cs typeface="Arial"/>
-              <a:sym typeface="Arial"/>
-            </a:endParaRPr>
-          </a:p>
-        </p:txBody>
-      </p:sp>
-      <p:sp>
-        <p:nvSpPr>
-          <p:cNvPr id="123" name="Google Shape;123;p6"/>
-          <p:cNvSpPr/>
-          <p:nvPr/>
-        </p:nvSpPr>
-        <p:spPr>
-          <a:xfrm rot="-355994">
-            <a:off x="559852" y="2772709"/>
-            <a:ext cx="261199" cy="46747"/>
-          </a:xfrm>
-          <a:prstGeom prst="roundRect">
-            <a:avLst>
-              <a:gd name="adj" fmla="val 50000"/>
-            </a:avLst>
-          </a:prstGeom>
-          <a:solidFill>
-            <a:srgbClr val="C3FFFC"/>
-          </a:solidFill>
-          <a:ln>
-            <a:noFill/>
-          </a:ln>
-        </p:spPr>
-        <p:txBody>
-          <a:bodyPr spcFirstLastPara="1" wrap="square" lIns="91425" tIns="91425" rIns="91425" bIns="91425" anchor="ctr" anchorCtr="0">
-            <a:noAutofit/>
-          </a:bodyPr>
-          <a:lstStyle/>
-          <a:p>
-            <a:pPr marL="0" marR="0" lvl="0" indent="0" algn="l" rtl="0">
-              <a:lnSpc>
-                <a:spcPct val="100000"/>
-              </a:lnSpc>
-              <a:spcBef>
-                <a:spcPts val="0"/>
-              </a:spcBef>
-              <a:spcAft>
-                <a:spcPts val="0"/>
-              </a:spcAft>
-              <a:buClr>
-                <a:srgbClr val="000000"/>
-              </a:buClr>
-              <a:buSzPts val="1400"/>
-              <a:buFont typeface="Arial"/>
-              <a:buNone/>
-            </a:pPr>
-            <a:endParaRPr sz="1400" b="0" i="0" u="none" strike="noStrike" cap="none">
-              <a:solidFill>
-                <a:srgbClr val="000000"/>
-              </a:solidFill>
-              <a:latin typeface="Arial"/>
-              <a:ea typeface="Arial"/>
-              <a:cs typeface="Arial"/>
-              <a:sym typeface="Arial"/>
-            </a:endParaRPr>
-          </a:p>
-        </p:txBody>
-      </p:sp>
-      <p:sp>
-        <p:nvSpPr>
-          <p:cNvPr id="125" name="Google Shape;125;p6"/>
-          <p:cNvSpPr/>
-          <p:nvPr/>
-        </p:nvSpPr>
-        <p:spPr>
-          <a:xfrm rot="-355994">
-            <a:off x="559853" y="3305809"/>
-            <a:ext cx="261199" cy="46747"/>
-          </a:xfrm>
-          <a:prstGeom prst="roundRect">
-            <a:avLst>
-              <a:gd name="adj" fmla="val 50000"/>
-            </a:avLst>
-          </a:prstGeom>
-          <a:solidFill>
-            <a:srgbClr val="C3FFFC"/>
-          </a:solidFill>
-          <a:ln>
-            <a:noFill/>
-          </a:ln>
-        </p:spPr>
-        <p:txBody>
-          <a:bodyPr spcFirstLastPara="1" wrap="square" lIns="91425" tIns="91425" rIns="91425" bIns="91425" anchor="ctr" anchorCtr="0">
-            <a:noAutofit/>
-          </a:bodyPr>
-          <a:lstStyle/>
-          <a:p>
-            <a:pPr marL="0" marR="0" lvl="0" indent="0" algn="l" rtl="0">
-              <a:lnSpc>
-                <a:spcPct val="100000"/>
-              </a:lnSpc>
-              <a:spcBef>
-                <a:spcPts val="0"/>
-              </a:spcBef>
-              <a:spcAft>
-                <a:spcPts val="0"/>
-              </a:spcAft>
-              <a:buClr>
-                <a:srgbClr val="000000"/>
-              </a:buClr>
-              <a:buSzPts val="1400"/>
-              <a:buFont typeface="Arial"/>
-              <a:buNone/>
-            </a:pPr>
-            <a:endParaRPr sz="1400" b="0" i="0" u="none" strike="noStrike" cap="none">
-              <a:solidFill>
-                <a:srgbClr val="000000"/>
-              </a:solidFill>
-              <a:latin typeface="Arial"/>
-              <a:ea typeface="Arial"/>
-              <a:cs typeface="Arial"/>
-              <a:sym typeface="Arial"/>
-            </a:endParaRPr>
-          </a:p>
-        </p:txBody>
-      </p:sp>
-      <p:pic>
-        <p:nvPicPr>
-          <p:cNvPr id="126" name="Google Shape;126;p6"/>
-          <p:cNvPicPr preferRelativeResize="0"/>
-          <p:nvPr/>
-        </p:nvPicPr>
-        <p:blipFill rotWithShape="1">
-          <a:blip r:embed="rId3">
-            <a:alphaModFix/>
-          </a:blip>
-          <a:srcRect/>
-          <a:stretch/>
-        </p:blipFill>
-        <p:spPr>
-          <a:xfrm>
-            <a:off x="463375" y="482852"/>
-            <a:ext cx="576900" cy="385904"/>
-          </a:xfrm>
-          <a:prstGeom prst="rect">
-            <a:avLst/>
-          </a:prstGeom>
-          <a:noFill/>
-          <a:ln>
-            <a:noFill/>
-          </a:ln>
-        </p:spPr>
-      </p:pic>
-      <p:sp>
-        <p:nvSpPr>
-          <p:cNvPr id="127" name="Google Shape;127;p6"/>
-          <p:cNvSpPr/>
-          <p:nvPr/>
-        </p:nvSpPr>
-        <p:spPr>
-          <a:xfrm>
-            <a:off x="10225" y="4892025"/>
-            <a:ext cx="9144000" cy="251400"/>
-          </a:xfrm>
-          <a:prstGeom prst="rect">
-            <a:avLst/>
-          </a:prstGeom>
-          <a:solidFill>
-            <a:srgbClr val="C3FFFC"/>
-          </a:solidFill>
-          <a:ln>
-            <a:noFill/>
-          </a:ln>
-        </p:spPr>
-        <p:txBody>
-          <a:bodyPr spcFirstLastPara="1" wrap="square" lIns="91425" tIns="91425" rIns="91425" bIns="91425" anchor="ctr" anchorCtr="0">
-            <a:noAutofit/>
-          </a:bodyPr>
-          <a:lstStyle/>
-          <a:p>
-            <a:pPr marL="0" marR="0" lvl="0" indent="0" algn="l" rtl="0">
-              <a:lnSpc>
-                <a:spcPct val="100000"/>
-              </a:lnSpc>
-              <a:spcBef>
-                <a:spcPts val="0"/>
-              </a:spcBef>
-              <a:spcAft>
-                <a:spcPts val="0"/>
-              </a:spcAft>
-              <a:buClr>
-                <a:srgbClr val="000000"/>
-              </a:buClr>
-              <a:buSzPts val="1400"/>
-              <a:buFont typeface="Arial"/>
-              <a:buNone/>
-            </a:pPr>
-            <a:endParaRPr sz="1400" b="0" i="0" u="none" strike="noStrike" cap="none">
-              <a:solidFill>
-                <a:srgbClr val="000000"/>
-              </a:solidFill>
-              <a:latin typeface="Arial"/>
-              <a:ea typeface="Arial"/>
-              <a:cs typeface="Arial"/>
-              <a:sym typeface="Arial"/>
-            </a:endParaRPr>
-          </a:p>
-        </p:txBody>
-      </p:sp>
-    </p:spTree>
-    <p:extLst>
-      <p:ext uri="{BB962C8B-B14F-4D97-AF65-F5344CB8AC3E}">
-        <p14:creationId xmlns:p14="http://schemas.microsoft.com/office/powerpoint/2010/main" val="4180600341"/>
-      </p:ext>
-    </p:extLst>
-  </p:cSld>
-  <p:clrMapOvr>
-    <a:masterClrMapping/>
-  </p:clrMapOvr>
-</p:sld>
-</file>
-
-<file path=ppt/slides/slide13.xml><?xml version="1.0" encoding="utf-8"?>
 <p:sld xmlns:a="http://schemas.openxmlformats.org/drawingml/2006/main" xmlns:r="http://schemas.openxmlformats.org/officeDocument/2006/relationships" xmlns:p="http://schemas.openxmlformats.org/presentationml/2006/main">
   <p:cSld>
     <p:bg>
@@ -12992,7 +11628,7 @@
         </p:nvSpPr>
         <p:spPr>
           <a:xfrm>
-            <a:off x="5168825" y="937475"/>
+            <a:off x="5005273" y="482852"/>
             <a:ext cx="3800700" cy="4092000"/>
           </a:xfrm>
           <a:prstGeom prst="rect">
@@ -13024,30 +11660,32 @@
       </p:sp>
       <p:pic>
         <p:nvPicPr>
-          <p:cNvPr id="82" name="Google Shape;82;g92d319ac5a_0_6"/>
-          <p:cNvPicPr preferRelativeResize="0"/>
+          <p:cNvPr id="3" name="Image 2" descr="Une image contenant objet, extérieur, homme, planche&#10;&#10;Description générée automatiquement">
+            <a:extLst>
+              <a:ext uri="{FF2B5EF4-FFF2-40B4-BE49-F238E27FC236}">
+                <a16:creationId xmlns:a16="http://schemas.microsoft.com/office/drawing/2014/main" id="{0C09426B-1C59-42A2-9127-8896B0311301}"/>
+              </a:ext>
+            </a:extLst>
+          </p:cNvPr>
+          <p:cNvPicPr>
+            <a:picLocks noChangeAspect="1"/>
+          </p:cNvPicPr>
           <p:nvPr/>
         </p:nvPicPr>
         <p:blipFill>
-          <a:blip r:embed="rId4">
-            <a:alphaModFix/>
-          </a:blip>
+          <a:blip r:embed="rId4"/>
           <a:stretch>
             <a:fillRect/>
           </a:stretch>
         </p:blipFill>
         <p:spPr>
           <a:xfrm>
-            <a:off x="4900500" y="-8925"/>
-            <a:ext cx="4238600" cy="5143500"/>
+            <a:off x="4890100" y="-1"/>
+            <a:ext cx="4253900" cy="5143425"/>
           </a:xfrm>
           <a:prstGeom prst="rect">
             <a:avLst/>
           </a:prstGeom>
-          <a:noFill/>
-          <a:ln>
-            <a:noFill/>
-          </a:ln>
         </p:spPr>
       </p:pic>
     </p:spTree>
@@ -13083,8 +11721,8 @@
         </p:nvSpPr>
         <p:spPr>
           <a:xfrm>
-            <a:off x="5500" y="-17775"/>
-            <a:ext cx="4884600" cy="5161200"/>
+            <a:off x="0" y="-17700"/>
+            <a:ext cx="5309915" cy="5161200"/>
           </a:xfrm>
           <a:prstGeom prst="rect">
             <a:avLst/>
@@ -13143,8 +11781,8 @@
         </p:nvSpPr>
         <p:spPr>
           <a:xfrm>
-            <a:off x="390600" y="1138675"/>
-            <a:ext cx="4509900" cy="3257400"/>
+            <a:off x="174475" y="1138675"/>
+            <a:ext cx="5135440" cy="3257400"/>
           </a:xfrm>
           <a:prstGeom prst="rect">
             <a:avLst/>
@@ -13243,43 +11881,7 @@
                 <a:cs typeface="Inter"/>
                 <a:sym typeface="Inter"/>
               </a:rPr>
-              <a:t>Les données de ce projet proviennent de l’API de AUSGRID </a:t>
-            </a:r>
-            <a:endParaRPr sz="2400" dirty="0">
-              <a:solidFill>
-                <a:srgbClr val="015955"/>
-              </a:solidFill>
-              <a:latin typeface="Inter"/>
-              <a:ea typeface="Inter"/>
-              <a:cs typeface="Inter"/>
-              <a:sym typeface="Inter"/>
-            </a:endParaRPr>
-          </a:p>
-          <a:p>
-            <a:pPr marL="0" lvl="0" indent="0" algn="l" rtl="0">
-              <a:lnSpc>
-                <a:spcPct val="100000"/>
-              </a:lnSpc>
-              <a:spcBef>
-                <a:spcPts val="0"/>
-              </a:spcBef>
-              <a:spcAft>
-                <a:spcPts val="0"/>
-              </a:spcAft>
-              <a:buSzPts val="2800"/>
-              <a:buNone/>
-            </a:pPr>
-            <a:r>
-              <a:rPr lang="fr" sz="2400" dirty="0">
-                <a:solidFill>
-                  <a:srgbClr val="015955"/>
-                </a:solidFill>
-                <a:latin typeface="Inter"/>
-                <a:ea typeface="Inter"/>
-                <a:cs typeface="Inter"/>
-                <a:sym typeface="Inter"/>
-              </a:rPr>
-              <a:t>  </a:t>
+              <a:t>Les données de ce projet proviennent de l’API d’ AUSGRID et concernent 300 foyers équipés de systèmes solaires sur le toit.  </a:t>
             </a:r>
             <a:endParaRPr sz="2400" dirty="0">
               <a:solidFill>
@@ -13372,7 +11974,7 @@
         </p:nvSpPr>
         <p:spPr>
           <a:xfrm>
-            <a:off x="4973444" y="133814"/>
+            <a:off x="4973444" y="111511"/>
             <a:ext cx="4073912" cy="1196898"/>
           </a:xfrm>
           <a:prstGeom prst="rect">
@@ -13422,10 +12024,10 @@
       </p:pic>
       <p:pic>
         <p:nvPicPr>
-          <p:cNvPr id="7" name="Image 6" descr="Une image contenant texte, carte&#10;&#10;Description générée automatiquement">
+          <p:cNvPr id="4" name="Image 3" descr="Une image contenant extérieur, bâtiment, maison, herbe&#10;&#10;Description générée automatiquement">
             <a:extLst>
               <a:ext uri="{FF2B5EF4-FFF2-40B4-BE49-F238E27FC236}">
-                <a16:creationId xmlns:a16="http://schemas.microsoft.com/office/drawing/2014/main" id="{06E8469A-59B2-42E5-BAE4-BD952A6E97C4}"/>
+                <a16:creationId xmlns:a16="http://schemas.microsoft.com/office/drawing/2014/main" id="{1025B44C-FCBC-4145-BB55-46DBB88A57BF}"/>
               </a:ext>
             </a:extLst>
           </p:cNvPr>
@@ -13442,8 +12044,8 @@
         </p:blipFill>
         <p:spPr>
           <a:xfrm>
-            <a:off x="5502489" y="1590858"/>
-            <a:ext cx="2844472" cy="3200773"/>
+            <a:off x="5429866" y="1886304"/>
+            <a:ext cx="3550032" cy="3257196"/>
           </a:xfrm>
           <a:prstGeom prst="rect">
             <a:avLst/>
@@ -13484,7 +12086,7 @@
         <p:spPr>
           <a:xfrm>
             <a:off x="5500" y="-17775"/>
-            <a:ext cx="4884600" cy="5161200"/>
+            <a:ext cx="3969676" cy="5161200"/>
           </a:xfrm>
           <a:prstGeom prst="rect">
             <a:avLst/>
@@ -13543,8 +12145,8 @@
         </p:nvSpPr>
         <p:spPr>
           <a:xfrm>
-            <a:off x="390600" y="1138675"/>
-            <a:ext cx="4509900" cy="3257400"/>
+            <a:off x="130405" y="1804705"/>
+            <a:ext cx="3586668" cy="952294"/>
           </a:xfrm>
           <a:prstGeom prst="rect">
             <a:avLst/>
@@ -13574,7 +12176,7 @@
               <a:buNone/>
             </a:pPr>
             <a:r>
-              <a:rPr lang="fr" sz="2400" b="1">
+              <a:rPr lang="fr" sz="2400" b="1" dirty="0">
                 <a:solidFill>
                   <a:srgbClr val="015955"/>
                 </a:solidFill>
@@ -13585,7 +12187,7 @@
               </a:rPr>
               <a:t>Méthodologie adoptée :</a:t>
             </a:r>
-            <a:endParaRPr sz="2400" b="1">
+            <a:endParaRPr sz="2400" b="1" dirty="0">
               <a:solidFill>
                 <a:srgbClr val="015955"/>
               </a:solidFill>
@@ -13609,115 +12211,7 @@
               <a:buSzPts val="2800"/>
               <a:buNone/>
             </a:pPr>
-            <a:endParaRPr sz="2400">
-              <a:solidFill>
-                <a:srgbClr val="015955"/>
-              </a:solidFill>
-              <a:latin typeface="Inter"/>
-              <a:ea typeface="Inter"/>
-              <a:cs typeface="Inter"/>
-              <a:sym typeface="Inter"/>
-            </a:endParaRPr>
-          </a:p>
-          <a:p>
-            <a:pPr marL="0" lvl="0" indent="0" algn="l" rtl="0">
-              <a:lnSpc>
-                <a:spcPct val="100000"/>
-              </a:lnSpc>
-              <a:spcBef>
-                <a:spcPts val="0"/>
-              </a:spcBef>
-              <a:spcAft>
-                <a:spcPts val="0"/>
-              </a:spcAft>
-              <a:buSzPts val="2800"/>
-              <a:buNone/>
-            </a:pPr>
-            <a:r>
-              <a:rPr lang="fr" sz="2400">
-                <a:solidFill>
-                  <a:srgbClr val="015955"/>
-                </a:solidFill>
-                <a:latin typeface="Inter"/>
-                <a:ea typeface="Inter"/>
-                <a:cs typeface="Inter"/>
-                <a:sym typeface="Inter"/>
-              </a:rPr>
-              <a:t>EDA</a:t>
-            </a:r>
-            <a:endParaRPr sz="2400">
-              <a:solidFill>
-                <a:srgbClr val="015955"/>
-              </a:solidFill>
-              <a:latin typeface="Inter"/>
-              <a:ea typeface="Inter"/>
-              <a:cs typeface="Inter"/>
-              <a:sym typeface="Inter"/>
-            </a:endParaRPr>
-          </a:p>
-          <a:p>
-            <a:pPr marL="0" lvl="0" indent="0" algn="l" rtl="0">
-              <a:lnSpc>
-                <a:spcPct val="100000"/>
-              </a:lnSpc>
-              <a:spcBef>
-                <a:spcPts val="0"/>
-              </a:spcBef>
-              <a:spcAft>
-                <a:spcPts val="0"/>
-              </a:spcAft>
-              <a:buSzPts val="2800"/>
-              <a:buNone/>
-            </a:pPr>
-            <a:r>
-              <a:rPr lang="fr" sz="2400">
-                <a:solidFill>
-                  <a:srgbClr val="015955"/>
-                </a:solidFill>
-                <a:latin typeface="Inter"/>
-                <a:ea typeface="Inter"/>
-                <a:cs typeface="Inter"/>
-                <a:sym typeface="Inter"/>
-              </a:rPr>
-              <a:t>Modélisation</a:t>
-            </a:r>
-            <a:endParaRPr sz="2400">
-              <a:solidFill>
-                <a:srgbClr val="015955"/>
-              </a:solidFill>
-              <a:latin typeface="Inter"/>
-              <a:ea typeface="Inter"/>
-              <a:cs typeface="Inter"/>
-              <a:sym typeface="Inter"/>
-            </a:endParaRPr>
-          </a:p>
-          <a:p>
-            <a:pPr marL="0" lvl="0" indent="0" algn="l" rtl="0">
-              <a:lnSpc>
-                <a:spcPct val="100000"/>
-              </a:lnSpc>
-              <a:spcBef>
-                <a:spcPts val="0"/>
-              </a:spcBef>
-              <a:spcAft>
-                <a:spcPts val="0"/>
-              </a:spcAft>
-              <a:buSzPts val="2800"/>
-              <a:buNone/>
-            </a:pPr>
-            <a:r>
-              <a:rPr lang="fr" sz="2400">
-                <a:solidFill>
-                  <a:srgbClr val="015955"/>
-                </a:solidFill>
-                <a:latin typeface="Inter"/>
-                <a:ea typeface="Inter"/>
-                <a:cs typeface="Inter"/>
-                <a:sym typeface="Inter"/>
-              </a:rPr>
-              <a:t>  </a:t>
-            </a:r>
-            <a:endParaRPr sz="2400">
+            <a:endParaRPr sz="2400" dirty="0">
               <a:solidFill>
                 <a:srgbClr val="015955"/>
               </a:solidFill>
@@ -13764,7 +12258,7 @@
         </p:nvSpPr>
         <p:spPr>
           <a:xfrm>
-            <a:off x="5168825" y="937475"/>
+            <a:off x="4261859" y="610373"/>
             <a:ext cx="3800700" cy="4092000"/>
           </a:xfrm>
           <a:prstGeom prst="rect">
@@ -13790,76 +12284,64 @@
               </a:spcAft>
               <a:buNone/>
             </a:pPr>
-            <a:endParaRPr/>
+            <a:r>
+              <a:rPr lang="fr-FR" dirty="0"/>
+              <a:t>           </a:t>
+            </a:r>
+            <a:r>
+              <a:rPr lang="fr-FR" sz="2000" dirty="0"/>
+              <a:t>EDA</a:t>
+            </a:r>
+            <a:endParaRPr sz="2000" dirty="0"/>
           </a:p>
         </p:txBody>
       </p:sp>
-    </p:spTree>
-  </p:cSld>
-  <p:clrMapOvr>
-    <a:masterClrMapping/>
-  </p:clrMapOvr>
-</p:sld>
-</file>
-
-<file path=ppt/slides/slide7.xml><?xml version="1.0" encoding="utf-8"?>
-<p:sld xmlns:a="http://schemas.openxmlformats.org/drawingml/2006/main" xmlns:r="http://schemas.openxmlformats.org/officeDocument/2006/relationships" xmlns:p="http://schemas.openxmlformats.org/presentationml/2006/main">
-  <p:cSld>
-    <p:spTree>
-      <p:nvGrpSpPr>
-        <p:cNvPr id="1" name="Shape 102"/>
-        <p:cNvGrpSpPr/>
-        <p:nvPr/>
-      </p:nvGrpSpPr>
-      <p:grpSpPr>
-        <a:xfrm>
-          <a:off x="0" y="0"/>
-          <a:ext cx="0" cy="0"/>
-          <a:chOff x="0" y="0"/>
-          <a:chExt cx="0" cy="0"/>
-        </a:xfrm>
-      </p:grpSpPr>
       <p:pic>
         <p:nvPicPr>
-          <p:cNvPr id="103" name="Google Shape;103;p4"/>
-          <p:cNvPicPr preferRelativeResize="0"/>
+          <p:cNvPr id="4" name="Image 3">
+            <a:extLst>
+              <a:ext uri="{FF2B5EF4-FFF2-40B4-BE49-F238E27FC236}">
+                <a16:creationId xmlns:a16="http://schemas.microsoft.com/office/drawing/2014/main" id="{44273818-643B-48F7-8075-80C9D88D6AA8}"/>
+              </a:ext>
+            </a:extLst>
+          </p:cNvPr>
+          <p:cNvPicPr>
+            <a:picLocks noChangeAspect="1"/>
+          </p:cNvPicPr>
           <p:nvPr/>
         </p:nvPicPr>
-        <p:blipFill rotWithShape="1">
-          <a:blip r:embed="rId3">
-            <a:alphaModFix/>
-          </a:blip>
-          <a:srcRect/>
-          <a:stretch/>
+        <p:blipFill>
+          <a:blip r:embed="rId4"/>
+          <a:stretch>
+            <a:fillRect/>
+          </a:stretch>
         </p:blipFill>
         <p:spPr>
           <a:xfrm>
-            <a:off x="463375" y="482852"/>
-            <a:ext cx="576900" cy="385904"/>
+            <a:off x="4433051" y="832377"/>
+            <a:ext cx="268247" cy="73158"/>
           </a:xfrm>
           <a:prstGeom prst="rect">
             <a:avLst/>
           </a:prstGeom>
-          <a:noFill/>
-          <a:ln>
-            <a:noFill/>
-          </a:ln>
         </p:spPr>
       </p:pic>
       <p:sp>
         <p:nvSpPr>
-          <p:cNvPr id="104" name="Google Shape;104;p4"/>
-          <p:cNvSpPr txBox="1">
-            <a:spLocks noGrp="1"/>
-          </p:cNvSpPr>
-          <p:nvPr>
-            <p:ph type="ctrTitle" idx="4294967295"/>
-          </p:nvPr>
+          <p:cNvPr id="10" name="Google Shape;98;g92d319ac5a_0_26">
+            <a:extLst>
+              <a:ext uri="{FF2B5EF4-FFF2-40B4-BE49-F238E27FC236}">
+                <a16:creationId xmlns:a16="http://schemas.microsoft.com/office/drawing/2014/main" id="{79C82BB8-99E4-4352-A458-3D49F44FCBF2}"/>
+              </a:ext>
+            </a:extLst>
+          </p:cNvPr>
+          <p:cNvSpPr txBox="1"/>
+          <p:nvPr/>
         </p:nvSpPr>
         <p:spPr>
           <a:xfrm>
-            <a:off x="1878325" y="327102"/>
-            <a:ext cx="5315100" cy="385800"/>
+            <a:off x="4275864" y="1985690"/>
+            <a:ext cx="3800700" cy="4092000"/>
           </a:xfrm>
           <a:prstGeom prst="rect">
             <a:avLst/>
@@ -13875,61 +12357,73 @@
           </a:bodyPr>
           <a:lstStyle/>
           <a:p>
-            <a:pPr marL="0" marR="0" lvl="0" indent="0" algn="ctr" rtl="0">
-              <a:lnSpc>
-                <a:spcPct val="100000"/>
-              </a:lnSpc>
-              <a:spcBef>
-                <a:spcPts val="0"/>
-              </a:spcBef>
-              <a:spcAft>
-                <a:spcPts val="0"/>
-              </a:spcAft>
-              <a:buClr>
-                <a:schemeClr val="dk1"/>
-              </a:buClr>
-              <a:buSzPts val="2800"/>
-              <a:buFont typeface="Arial"/>
+            <a:pPr marL="0" lvl="0" indent="0" algn="l" rtl="0">
+              <a:spcBef>
+                <a:spcPts val="0"/>
+              </a:spcBef>
+              <a:spcAft>
+                <a:spcPts val="0"/>
+              </a:spcAft>
               <a:buNone/>
             </a:pPr>
             <a:r>
-              <a:rPr lang="fr" sz="1600" b="0" i="0" u="none" strike="noStrike" cap="none">
-                <a:solidFill>
-                  <a:srgbClr val="0E3449"/>
-                </a:solidFill>
-                <a:latin typeface="Inter"/>
-                <a:ea typeface="Inter"/>
-                <a:cs typeface="Inter"/>
-                <a:sym typeface="Inter"/>
-              </a:rPr>
-              <a:t>Titre de l’image ou du graph</a:t>
+              <a:rPr lang="fr-FR" dirty="0"/>
+              <a:t>           </a:t>
             </a:r>
-            <a:endParaRPr sz="1600" b="0" i="0" u="none" strike="noStrike" cap="none">
-              <a:solidFill>
-                <a:srgbClr val="0E3449"/>
-              </a:solidFill>
-              <a:latin typeface="Inter"/>
-              <a:ea typeface="Inter"/>
-              <a:cs typeface="Inter"/>
-              <a:sym typeface="Inter"/>
-            </a:endParaRPr>
+            <a:r>
+              <a:rPr lang="fr-FR" sz="2000" dirty="0"/>
+              <a:t>Modélisation</a:t>
+            </a:r>
+            <a:endParaRPr sz="2000" dirty="0"/>
           </a:p>
         </p:txBody>
       </p:sp>
+      <p:pic>
+        <p:nvPicPr>
+          <p:cNvPr id="11" name="Image 10">
+            <a:extLst>
+              <a:ext uri="{FF2B5EF4-FFF2-40B4-BE49-F238E27FC236}">
+                <a16:creationId xmlns:a16="http://schemas.microsoft.com/office/drawing/2014/main" id="{FCA242F0-F3DB-405B-8754-CF749A0479B0}"/>
+              </a:ext>
+            </a:extLst>
+          </p:cNvPr>
+          <p:cNvPicPr>
+            <a:picLocks noChangeAspect="1"/>
+          </p:cNvPicPr>
+          <p:nvPr/>
+        </p:nvPicPr>
+        <p:blipFill>
+          <a:blip r:embed="rId4"/>
+          <a:stretch>
+            <a:fillRect/>
+          </a:stretch>
+        </p:blipFill>
+        <p:spPr>
+          <a:xfrm>
+            <a:off x="4447056" y="2207694"/>
+            <a:ext cx="268247" cy="73158"/>
+          </a:xfrm>
+          <a:prstGeom prst="rect">
+            <a:avLst/>
+          </a:prstGeom>
+        </p:spPr>
+      </p:pic>
       <p:sp>
         <p:nvSpPr>
-          <p:cNvPr id="105" name="Google Shape;105;p4"/>
-          <p:cNvSpPr txBox="1">
-            <a:spLocks noGrp="1"/>
-          </p:cNvSpPr>
-          <p:nvPr>
-            <p:ph type="ctrTitle" idx="4294967295"/>
-          </p:nvPr>
+          <p:cNvPr id="12" name="Google Shape;98;g92d319ac5a_0_26">
+            <a:extLst>
+              <a:ext uri="{FF2B5EF4-FFF2-40B4-BE49-F238E27FC236}">
+                <a16:creationId xmlns:a16="http://schemas.microsoft.com/office/drawing/2014/main" id="{6F7C21F9-3B73-4C91-A366-9973DFABC071}"/>
+              </a:ext>
+            </a:extLst>
+          </p:cNvPr>
+          <p:cNvSpPr txBox="1"/>
+          <p:nvPr/>
         </p:nvSpPr>
         <p:spPr>
           <a:xfrm>
-            <a:off x="649380" y="4468336"/>
-            <a:ext cx="7773000" cy="314700"/>
+            <a:off x="4261859" y="3725392"/>
+            <a:ext cx="3800700" cy="4092000"/>
           </a:xfrm>
           <a:prstGeom prst="rect">
             <a:avLst/>
@@ -13945,328 +12439,55 @@
           </a:bodyPr>
           <a:lstStyle/>
           <a:p>
-            <a:pPr marL="0" marR="0" lvl="0" indent="0" algn="ctr" rtl="0">
-              <a:lnSpc>
-                <a:spcPct val="100000"/>
-              </a:lnSpc>
-              <a:spcBef>
-                <a:spcPts val="0"/>
-              </a:spcBef>
-              <a:spcAft>
-                <a:spcPts val="0"/>
-              </a:spcAft>
-              <a:buClr>
-                <a:schemeClr val="dk1"/>
-              </a:buClr>
-              <a:buSzPts val="2800"/>
-              <a:buFont typeface="Arial"/>
+            <a:pPr marL="0" lvl="0" indent="0" algn="l" rtl="0">
+              <a:spcBef>
+                <a:spcPts val="0"/>
+              </a:spcBef>
+              <a:spcAft>
+                <a:spcPts val="0"/>
+              </a:spcAft>
               <a:buNone/>
             </a:pPr>
             <a:r>
-              <a:rPr lang="fr" sz="1000" b="0" i="0" u="none" strike="noStrike" cap="none">
-                <a:solidFill>
-                  <a:srgbClr val="4B5258"/>
-                </a:solidFill>
-                <a:latin typeface="Inter"/>
-                <a:ea typeface="Inter"/>
-                <a:cs typeface="Inter"/>
-                <a:sym typeface="Inter"/>
-              </a:rPr>
-              <a:t>Légende de l’image ou du graph</a:t>
+              <a:rPr lang="fr-FR" dirty="0"/>
+              <a:t>          </a:t>
             </a:r>
-            <a:endParaRPr sz="1000" b="0" i="0" u="none" strike="noStrike" cap="none">
-              <a:solidFill>
-                <a:srgbClr val="4B5258"/>
-              </a:solidFill>
-              <a:latin typeface="Inter"/>
-              <a:ea typeface="Inter"/>
-              <a:cs typeface="Inter"/>
-              <a:sym typeface="Inter"/>
-            </a:endParaRPr>
+            <a:r>
+              <a:rPr lang="fr-FR" sz="2000" dirty="0"/>
+              <a:t>Résultats</a:t>
+            </a:r>
+            <a:endParaRPr sz="2000" dirty="0"/>
           </a:p>
         </p:txBody>
       </p:sp>
       <p:pic>
         <p:nvPicPr>
-          <p:cNvPr id="106" name="Google Shape;106;p4"/>
-          <p:cNvPicPr preferRelativeResize="0"/>
+          <p:cNvPr id="13" name="Image 12">
+            <a:extLst>
+              <a:ext uri="{FF2B5EF4-FFF2-40B4-BE49-F238E27FC236}">
+                <a16:creationId xmlns:a16="http://schemas.microsoft.com/office/drawing/2014/main" id="{07362BE5-BB46-4F8D-BCC8-C08F762CD8DE}"/>
+              </a:ext>
+            </a:extLst>
+          </p:cNvPr>
+          <p:cNvPicPr>
+            <a:picLocks noChangeAspect="1"/>
+          </p:cNvPicPr>
           <p:nvPr/>
         </p:nvPicPr>
-        <p:blipFill rotWithShape="1">
-          <a:blip r:embed="rId4">
-            <a:alphaModFix/>
-          </a:blip>
-          <a:srcRect/>
-          <a:stretch/>
+        <p:blipFill>
+          <a:blip r:embed="rId4"/>
+          <a:stretch>
+            <a:fillRect/>
+          </a:stretch>
         </p:blipFill>
         <p:spPr>
           <a:xfrm>
-            <a:off x="1864394" y="821887"/>
-            <a:ext cx="5411824" cy="3607891"/>
+            <a:off x="4433051" y="3947396"/>
+            <a:ext cx="268247" cy="73158"/>
           </a:xfrm>
           <a:prstGeom prst="rect">
             <a:avLst/>
           </a:prstGeom>
-          <a:noFill/>
-          <a:ln>
-            <a:noFill/>
-          </a:ln>
-        </p:spPr>
-      </p:pic>
-      <p:sp>
-        <p:nvSpPr>
-          <p:cNvPr id="107" name="Google Shape;107;p4"/>
-          <p:cNvSpPr/>
-          <p:nvPr/>
-        </p:nvSpPr>
-        <p:spPr>
-          <a:xfrm>
-            <a:off x="10225" y="4892025"/>
-            <a:ext cx="9144000" cy="251400"/>
-          </a:xfrm>
-          <a:prstGeom prst="rect">
-            <a:avLst/>
-          </a:prstGeom>
-          <a:solidFill>
-            <a:srgbClr val="C3FFFC"/>
-          </a:solidFill>
-          <a:ln>
-            <a:noFill/>
-          </a:ln>
-        </p:spPr>
-        <p:txBody>
-          <a:bodyPr spcFirstLastPara="1" wrap="square" lIns="91425" tIns="91425" rIns="91425" bIns="91425" anchor="ctr" anchorCtr="0">
-            <a:noAutofit/>
-          </a:bodyPr>
-          <a:lstStyle/>
-          <a:p>
-            <a:pPr marL="0" marR="0" lvl="0" indent="0" algn="l" rtl="0">
-              <a:lnSpc>
-                <a:spcPct val="100000"/>
-              </a:lnSpc>
-              <a:spcBef>
-                <a:spcPts val="0"/>
-              </a:spcBef>
-              <a:spcAft>
-                <a:spcPts val="0"/>
-              </a:spcAft>
-              <a:buClr>
-                <a:srgbClr val="000000"/>
-              </a:buClr>
-              <a:buSzPts val="1400"/>
-              <a:buFont typeface="Arial"/>
-              <a:buNone/>
-            </a:pPr>
-            <a:endParaRPr sz="1400" b="0" i="0" u="none" strike="noStrike" cap="none">
-              <a:solidFill>
-                <a:srgbClr val="000000"/>
-              </a:solidFill>
-              <a:latin typeface="Arial"/>
-              <a:ea typeface="Arial"/>
-              <a:cs typeface="Arial"/>
-              <a:sym typeface="Arial"/>
-            </a:endParaRPr>
-          </a:p>
-        </p:txBody>
-      </p:sp>
-    </p:spTree>
-  </p:cSld>
-  <p:clrMapOvr>
-    <a:masterClrMapping/>
-  </p:clrMapOvr>
-</p:sld>
-</file>
-
-<file path=ppt/slides/slide8.xml><?xml version="1.0" encoding="utf-8"?>
-<p:sld xmlns:a="http://schemas.openxmlformats.org/drawingml/2006/main" xmlns:r="http://schemas.openxmlformats.org/officeDocument/2006/relationships" xmlns:p="http://schemas.openxmlformats.org/presentationml/2006/main">
-  <p:cSld>
-    <p:bg>
-      <p:bgPr>
-        <a:solidFill>
-          <a:srgbClr val="145774"/>
-        </a:solidFill>
-        <a:effectLst/>
-      </p:bgPr>
-    </p:bg>
-    <p:spTree>
-      <p:nvGrpSpPr>
-        <p:cNvPr id="1" name="Shape 111"/>
-        <p:cNvGrpSpPr/>
-        <p:nvPr/>
-      </p:nvGrpSpPr>
-      <p:grpSpPr>
-        <a:xfrm>
-          <a:off x="0" y="0"/>
-          <a:ext cx="0" cy="0"/>
-          <a:chOff x="0" y="0"/>
-          <a:chExt cx="0" cy="0"/>
-        </a:xfrm>
-      </p:grpSpPr>
-      <p:sp>
-        <p:nvSpPr>
-          <p:cNvPr id="112" name="Google Shape;112;p5"/>
-          <p:cNvSpPr txBox="1">
-            <a:spLocks noGrp="1"/>
-          </p:cNvSpPr>
-          <p:nvPr>
-            <p:ph type="ctrTitle" idx="4294967295"/>
-          </p:nvPr>
-        </p:nvSpPr>
-        <p:spPr>
-          <a:xfrm>
-            <a:off x="1390625" y="1039500"/>
-            <a:ext cx="6362700" cy="3188700"/>
-          </a:xfrm>
-          <a:prstGeom prst="rect">
-            <a:avLst/>
-          </a:prstGeom>
-          <a:noFill/>
-          <a:ln>
-            <a:noFill/>
-          </a:ln>
-        </p:spPr>
-        <p:txBody>
-          <a:bodyPr spcFirstLastPara="1" wrap="square" lIns="91425" tIns="91425" rIns="91425" bIns="91425" anchor="ctr" anchorCtr="0">
-            <a:noAutofit/>
-          </a:bodyPr>
-          <a:lstStyle/>
-          <a:p>
-            <a:pPr marL="0" marR="0" lvl="0" indent="0" algn="ctr" rtl="0">
-              <a:lnSpc>
-                <a:spcPct val="100000"/>
-              </a:lnSpc>
-              <a:spcBef>
-                <a:spcPts val="0"/>
-              </a:spcBef>
-              <a:spcAft>
-                <a:spcPts val="0"/>
-              </a:spcAft>
-              <a:buClr>
-                <a:schemeClr val="dk1"/>
-              </a:buClr>
-              <a:buSzPts val="2800"/>
-              <a:buFont typeface="Arial"/>
-              <a:buNone/>
-            </a:pPr>
-            <a:r>
-              <a:rPr lang="fr" sz="3200" b="0" i="0" u="none" strike="noStrike" cap="none">
-                <a:solidFill>
-                  <a:srgbClr val="FFFFFF"/>
-                </a:solidFill>
-                <a:latin typeface="Libre Baskerville"/>
-                <a:ea typeface="Libre Baskerville"/>
-                <a:cs typeface="Libre Baskerville"/>
-                <a:sym typeface="Libre Baskerville"/>
-              </a:rPr>
-              <a:t>“Citation ou mise en exergue”</a:t>
-            </a:r>
-            <a:endParaRPr sz="3200" b="0" i="0" u="none" strike="noStrike" cap="none">
-              <a:solidFill>
-                <a:srgbClr val="FFFFFF"/>
-              </a:solidFill>
-              <a:latin typeface="Libre Baskerville"/>
-              <a:ea typeface="Libre Baskerville"/>
-              <a:cs typeface="Libre Baskerville"/>
-              <a:sym typeface="Libre Baskerville"/>
-            </a:endParaRPr>
-          </a:p>
-        </p:txBody>
-      </p:sp>
-      <p:sp>
-        <p:nvSpPr>
-          <p:cNvPr id="113" name="Google Shape;113;p5"/>
-          <p:cNvSpPr txBox="1">
-            <a:spLocks noGrp="1"/>
-          </p:cNvSpPr>
-          <p:nvPr>
-            <p:ph type="ctrTitle" idx="4294967295"/>
-          </p:nvPr>
-        </p:nvSpPr>
-        <p:spPr>
-          <a:xfrm>
-            <a:off x="463375" y="4530825"/>
-            <a:ext cx="8145000" cy="329700"/>
-          </a:xfrm>
-          <a:prstGeom prst="rect">
-            <a:avLst/>
-          </a:prstGeom>
-          <a:noFill/>
-          <a:ln>
-            <a:noFill/>
-          </a:ln>
-        </p:spPr>
-        <p:txBody>
-          <a:bodyPr spcFirstLastPara="1" wrap="square" lIns="91425" tIns="91425" rIns="91425" bIns="91425" anchor="t" anchorCtr="0">
-            <a:noAutofit/>
-          </a:bodyPr>
-          <a:lstStyle/>
-          <a:p>
-            <a:pPr marL="0" marR="0" lvl="0" indent="0" algn="ctr" rtl="0">
-              <a:lnSpc>
-                <a:spcPct val="100000"/>
-              </a:lnSpc>
-              <a:spcBef>
-                <a:spcPts val="0"/>
-              </a:spcBef>
-              <a:spcAft>
-                <a:spcPts val="0"/>
-              </a:spcAft>
-              <a:buClr>
-                <a:schemeClr val="dk1"/>
-              </a:buClr>
-              <a:buSzPts val="2800"/>
-              <a:buFont typeface="Arial"/>
-              <a:buNone/>
-            </a:pPr>
-            <a:r>
-              <a:rPr lang="fr" sz="1000" b="0" i="0" u="none" strike="noStrike" cap="none">
-                <a:solidFill>
-                  <a:srgbClr val="FFFFFF"/>
-                </a:solidFill>
-                <a:latin typeface="Inter"/>
-                <a:ea typeface="Inter"/>
-                <a:cs typeface="Inter"/>
-                <a:sym typeface="Inter"/>
-              </a:rPr>
-              <a:t>Nom de l’auteur / légende</a:t>
-            </a:r>
-            <a:endParaRPr sz="1000" b="0" i="0" u="none" strike="noStrike" cap="none">
-              <a:solidFill>
-                <a:srgbClr val="FFFFFF"/>
-              </a:solidFill>
-              <a:latin typeface="Inter"/>
-              <a:ea typeface="Inter"/>
-              <a:cs typeface="Inter"/>
-              <a:sym typeface="Inter"/>
-            </a:endParaRPr>
-          </a:p>
-        </p:txBody>
-      </p:sp>
-      <p:pic>
-        <p:nvPicPr>
-          <p:cNvPr id="114" name="Google Shape;114;p5"/>
-          <p:cNvPicPr preferRelativeResize="0"/>
-          <p:nvPr/>
-        </p:nvPicPr>
-        <p:blipFill rotWithShape="1">
-          <a:blip r:embed="rId3">
-            <a:alphaModFix/>
-          </a:blip>
-          <a:srcRect/>
-          <a:stretch/>
-        </p:blipFill>
-        <p:spPr>
-          <a:xfrm>
-            <a:off x="463375" y="482850"/>
-            <a:ext cx="576900" cy="392780"/>
-          </a:xfrm>
-          <a:prstGeom prst="rect">
-            <a:avLst/>
-          </a:prstGeom>
-          <a:noFill/>
-          <a:ln>
-            <a:noFill/>
-          </a:ln>
         </p:spPr>
       </p:pic>
     </p:spTree>
@@ -14277,7 +12498,7 @@
 </p:sld>
 </file>
 
-<file path=ppt/slides/slide9.xml><?xml version="1.0" encoding="utf-8"?>
+<file path=ppt/slides/slide7.xml><?xml version="1.0" encoding="utf-8"?>
 <p:sld xmlns:a="http://schemas.openxmlformats.org/drawingml/2006/main" xmlns:r="http://schemas.openxmlformats.org/officeDocument/2006/relationships" xmlns:p="http://schemas.openxmlformats.org/presentationml/2006/main">
   <p:cSld>
     <p:spTree>
@@ -14306,8 +12527,8 @@
         </p:nvSpPr>
         <p:spPr>
           <a:xfrm>
-            <a:off x="1192664" y="403309"/>
-            <a:ext cx="5315100" cy="533100"/>
+            <a:off x="2253220" y="409254"/>
+            <a:ext cx="4658009" cy="533100"/>
           </a:xfrm>
           <a:prstGeom prst="rect">
             <a:avLst/>
@@ -14341,7 +12562,7 @@
               <a:buNone/>
             </a:pPr>
             <a:r>
-              <a:rPr lang="fr" sz="2500" dirty="0">
+              <a:rPr lang="fr-FR" sz="2500" b="0" i="0" u="none" strike="noStrike" cap="none" dirty="0">
                 <a:solidFill>
                   <a:srgbClr val="0E3449"/>
                 </a:solidFill>
@@ -14350,81 +12571,11 @@
                 <a:cs typeface="Inter"/>
                 <a:sym typeface="Inter"/>
               </a:rPr>
-              <a:t>Méthologie adoptée</a:t>
+              <a:t>Evolution de GG et GC </a:t>
             </a:r>
             <a:endParaRPr sz="2500" b="0" i="0" u="none" strike="noStrike" cap="none" dirty="0">
               <a:solidFill>
                 <a:srgbClr val="0E3449"/>
-              </a:solidFill>
-              <a:latin typeface="Inter"/>
-              <a:ea typeface="Inter"/>
-              <a:cs typeface="Inter"/>
-              <a:sym typeface="Inter"/>
-            </a:endParaRPr>
-          </a:p>
-        </p:txBody>
-      </p:sp>
-      <p:sp>
-        <p:nvSpPr>
-          <p:cNvPr id="120" name="Google Shape;120;p6"/>
-          <p:cNvSpPr txBox="1">
-            <a:spLocks noGrp="1"/>
-          </p:cNvSpPr>
-          <p:nvPr>
-            <p:ph type="ctrTitle" idx="4294967295"/>
-          </p:nvPr>
-        </p:nvSpPr>
-        <p:spPr>
-          <a:xfrm>
-            <a:off x="897364" y="1996409"/>
-            <a:ext cx="5315100" cy="533100"/>
-          </a:xfrm>
-          <a:prstGeom prst="rect">
-            <a:avLst/>
-          </a:prstGeom>
-          <a:noFill/>
-          <a:ln>
-            <a:noFill/>
-          </a:ln>
-        </p:spPr>
-        <p:txBody>
-          <a:bodyPr spcFirstLastPara="1" wrap="square" lIns="91425" tIns="91425" rIns="91425" bIns="91425" anchor="t" anchorCtr="0">
-            <a:noAutofit/>
-          </a:bodyPr>
-          <a:lstStyle/>
-          <a:p>
-            <a:pPr marL="0" marR="0" lvl="0" indent="0" algn="l" rtl="0">
-              <a:lnSpc>
-                <a:spcPct val="100000"/>
-              </a:lnSpc>
-              <a:spcBef>
-                <a:spcPts val="0"/>
-              </a:spcBef>
-              <a:spcAft>
-                <a:spcPts val="0"/>
-              </a:spcAft>
-              <a:buClr>
-                <a:schemeClr val="dk1"/>
-              </a:buClr>
-              <a:buSzPts val="2800"/>
-              <a:buFont typeface="Arial"/>
-              <a:buNone/>
-            </a:pPr>
-            <a:r>
-              <a:rPr lang="fr" sz="2000" dirty="0">
-                <a:solidFill>
-                  <a:srgbClr val="4B5258"/>
-                </a:solidFill>
-                <a:latin typeface="Inter"/>
-                <a:ea typeface="Inter"/>
-                <a:cs typeface="Inter"/>
-                <a:sym typeface="Inter"/>
-              </a:rPr>
-              <a:t>EDA</a:t>
-            </a:r>
-            <a:endParaRPr sz="2000" b="0" i="0" u="none" strike="noStrike" cap="none" dirty="0">
-              <a:solidFill>
-                <a:srgbClr val="4B5258"/>
               </a:solidFill>
               <a:latin typeface="Inter"/>
               <a:ea typeface="Inter"/>
@@ -14442,7 +12593,7 @@
         </p:nvSpPr>
         <p:spPr>
           <a:xfrm rot="-355994">
-            <a:off x="559852" y="2239609"/>
+            <a:off x="559853" y="2239609"/>
             <a:ext cx="261199" cy="46747"/>
           </a:xfrm>
           <a:prstGeom prst="roundRect">
@@ -14488,76 +12639,6 @@
               <a:ea typeface="Arial"/>
               <a:cs typeface="Arial"/>
               <a:sym typeface="Arial"/>
-            </a:endParaRPr>
-          </a:p>
-        </p:txBody>
-      </p:sp>
-      <p:sp>
-        <p:nvSpPr>
-          <p:cNvPr id="122" name="Google Shape;122;p6"/>
-          <p:cNvSpPr txBox="1">
-            <a:spLocks noGrp="1"/>
-          </p:cNvSpPr>
-          <p:nvPr>
-            <p:ph type="ctrTitle" idx="4294967295"/>
-          </p:nvPr>
-        </p:nvSpPr>
-        <p:spPr>
-          <a:xfrm>
-            <a:off x="897364" y="2529509"/>
-            <a:ext cx="5315100" cy="533100"/>
-          </a:xfrm>
-          <a:prstGeom prst="rect">
-            <a:avLst/>
-          </a:prstGeom>
-          <a:noFill/>
-          <a:ln>
-            <a:noFill/>
-          </a:ln>
-        </p:spPr>
-        <p:txBody>
-          <a:bodyPr spcFirstLastPara="1" wrap="square" lIns="91425" tIns="91425" rIns="91425" bIns="91425" anchor="t" anchorCtr="0">
-            <a:noAutofit/>
-          </a:bodyPr>
-          <a:lstStyle/>
-          <a:p>
-            <a:pPr marL="0" marR="0" lvl="0" indent="0" algn="l" rtl="0">
-              <a:lnSpc>
-                <a:spcPct val="100000"/>
-              </a:lnSpc>
-              <a:spcBef>
-                <a:spcPts val="0"/>
-              </a:spcBef>
-              <a:spcAft>
-                <a:spcPts val="0"/>
-              </a:spcAft>
-              <a:buClr>
-                <a:schemeClr val="dk1"/>
-              </a:buClr>
-              <a:buSzPts val="2800"/>
-              <a:buFont typeface="Arial"/>
-              <a:buNone/>
-            </a:pPr>
-            <a:r>
-              <a:rPr lang="fr" sz="2000" dirty="0">
-                <a:solidFill>
-                  <a:srgbClr val="4B5258"/>
-                </a:solidFill>
-                <a:latin typeface="Inter"/>
-                <a:ea typeface="Inter"/>
-                <a:cs typeface="Inter"/>
-                <a:sym typeface="Inter"/>
-              </a:rPr>
-              <a:t>Modélisation</a:t>
-            </a:r>
-            <a:endParaRPr sz="2000" b="0" i="0" u="none" strike="noStrike" cap="none" dirty="0">
-              <a:solidFill>
-                <a:srgbClr val="4B5258"/>
-              </a:solidFill>
-              <a:latin typeface="Inter"/>
-              <a:ea typeface="Inter"/>
-              <a:cs typeface="Inter"/>
-              <a:sym typeface="Inter"/>
             </a:endParaRPr>
           </a:p>
         </p:txBody>
@@ -14622,83 +12703,13 @@
       </p:sp>
       <p:sp>
         <p:nvSpPr>
-          <p:cNvPr id="124" name="Google Shape;124;p6"/>
-          <p:cNvSpPr txBox="1">
-            <a:spLocks noGrp="1"/>
-          </p:cNvSpPr>
-          <p:nvPr>
-            <p:ph type="ctrTitle" idx="4294967295"/>
-          </p:nvPr>
-        </p:nvSpPr>
-        <p:spPr>
-          <a:xfrm>
-            <a:off x="897364" y="3062609"/>
-            <a:ext cx="5315100" cy="533100"/>
-          </a:xfrm>
-          <a:prstGeom prst="rect">
-            <a:avLst/>
-          </a:prstGeom>
-          <a:noFill/>
-          <a:ln>
-            <a:noFill/>
-          </a:ln>
-        </p:spPr>
-        <p:txBody>
-          <a:bodyPr spcFirstLastPara="1" wrap="square" lIns="91425" tIns="91425" rIns="91425" bIns="91425" anchor="t" anchorCtr="0">
-            <a:noAutofit/>
-          </a:bodyPr>
-          <a:lstStyle/>
-          <a:p>
-            <a:pPr marL="0" marR="0" lvl="0" indent="0" algn="l" rtl="0">
-              <a:lnSpc>
-                <a:spcPct val="100000"/>
-              </a:lnSpc>
-              <a:spcBef>
-                <a:spcPts val="0"/>
-              </a:spcBef>
-              <a:spcAft>
-                <a:spcPts val="0"/>
-              </a:spcAft>
-              <a:buClr>
-                <a:schemeClr val="dk1"/>
-              </a:buClr>
-              <a:buSzPts val="2800"/>
-              <a:buFont typeface="Arial"/>
-              <a:buNone/>
-            </a:pPr>
-            <a:r>
-              <a:rPr lang="fr" sz="2000" dirty="0">
-                <a:solidFill>
-                  <a:srgbClr val="4B5258"/>
-                </a:solidFill>
-                <a:latin typeface="Inter"/>
-                <a:ea typeface="Inter"/>
-                <a:cs typeface="Inter"/>
-                <a:sym typeface="Inter"/>
-              </a:rPr>
-              <a:t>Résultats</a:t>
-            </a:r>
-            <a:endParaRPr sz="2000" b="0" i="0" u="none" strike="noStrike" cap="none" dirty="0">
-              <a:solidFill>
-                <a:srgbClr val="4B5258"/>
-              </a:solidFill>
-              <a:latin typeface="Inter"/>
-              <a:ea typeface="Inter"/>
-              <a:cs typeface="Inter"/>
-              <a:sym typeface="Inter"/>
-            </a:endParaRPr>
-          </a:p>
-        </p:txBody>
-      </p:sp>
-      <p:sp>
-        <p:nvSpPr>
           <p:cNvPr id="125" name="Google Shape;125;p6"/>
           <p:cNvSpPr/>
           <p:nvPr/>
         </p:nvSpPr>
         <p:spPr>
           <a:xfrm rot="-355994">
-            <a:off x="559852" y="3305809"/>
+            <a:off x="559853" y="3305809"/>
             <a:ext cx="261199" cy="46747"/>
           </a:xfrm>
           <a:prstGeom prst="roundRect">
@@ -14831,7 +12842,2425 @@
           </a:p>
         </p:txBody>
       </p:sp>
+      <p:pic>
+        <p:nvPicPr>
+          <p:cNvPr id="3" name="Image 2" descr="Une image contenant capture d’écran&#10;&#10;Description générée automatiquement">
+            <a:extLst>
+              <a:ext uri="{FF2B5EF4-FFF2-40B4-BE49-F238E27FC236}">
+                <a16:creationId xmlns:a16="http://schemas.microsoft.com/office/drawing/2014/main" id="{EF2247A7-EB1C-4042-89D2-1FAFFD79D30A}"/>
+              </a:ext>
+            </a:extLst>
+          </p:cNvPr>
+          <p:cNvPicPr>
+            <a:picLocks noChangeAspect="1"/>
+          </p:cNvPicPr>
+          <p:nvPr/>
+        </p:nvPicPr>
+        <p:blipFill>
+          <a:blip r:embed="rId4"/>
+          <a:stretch>
+            <a:fillRect/>
+          </a:stretch>
+        </p:blipFill>
+        <p:spPr>
+          <a:xfrm>
+            <a:off x="197855" y="2103375"/>
+            <a:ext cx="3816583" cy="2788650"/>
+          </a:xfrm>
+          <a:prstGeom prst="rect">
+            <a:avLst/>
+          </a:prstGeom>
+        </p:spPr>
+      </p:pic>
+      <p:sp>
+        <p:nvSpPr>
+          <p:cNvPr id="11" name="Google Shape;119;p6">
+            <a:extLst>
+              <a:ext uri="{FF2B5EF4-FFF2-40B4-BE49-F238E27FC236}">
+                <a16:creationId xmlns:a16="http://schemas.microsoft.com/office/drawing/2014/main" id="{F38B6865-5220-44F8-8B9B-95DE4805219C}"/>
+              </a:ext>
+            </a:extLst>
+          </p:cNvPr>
+          <p:cNvSpPr txBox="1">
+            <a:spLocks/>
+          </p:cNvSpPr>
+          <p:nvPr/>
+        </p:nvSpPr>
+        <p:spPr>
+          <a:xfrm>
+            <a:off x="558135" y="1472473"/>
+            <a:ext cx="2571641" cy="533100"/>
+          </a:xfrm>
+          <a:prstGeom prst="rect">
+            <a:avLst/>
+          </a:prstGeom>
+          <a:noFill/>
+          <a:ln>
+            <a:noFill/>
+          </a:ln>
+        </p:spPr>
+        <p:txBody>
+          <a:bodyPr spcFirstLastPara="1" wrap="square" lIns="91425" tIns="91425" rIns="91425" bIns="91425" anchor="t" anchorCtr="0">
+            <a:noAutofit/>
+          </a:bodyPr>
+          <a:lstStyle>
+            <a:defPPr marR="0" lvl="0" algn="l" rtl="0">
+              <a:lnSpc>
+                <a:spcPct val="100000"/>
+              </a:lnSpc>
+              <a:spcBef>
+                <a:spcPts val="0"/>
+              </a:spcBef>
+              <a:spcAft>
+                <a:spcPts val="0"/>
+              </a:spcAft>
+            </a:defPPr>
+            <a:lvl1pPr marR="0" lvl="0" algn="l" rtl="0">
+              <a:lnSpc>
+                <a:spcPct val="100000"/>
+              </a:lnSpc>
+              <a:spcBef>
+                <a:spcPts val="0"/>
+              </a:spcBef>
+              <a:spcAft>
+                <a:spcPts val="0"/>
+              </a:spcAft>
+              <a:buClr>
+                <a:schemeClr val="dk1"/>
+              </a:buClr>
+              <a:buSzPts val="2800"/>
+              <a:buFont typeface="Arial"/>
+              <a:buNone/>
+              <a:defRPr sz="2800" b="0" i="0" u="none" strike="noStrike" cap="none">
+                <a:solidFill>
+                  <a:schemeClr val="dk1"/>
+                </a:solidFill>
+                <a:latin typeface="Arial"/>
+                <a:ea typeface="Arial"/>
+                <a:cs typeface="Arial"/>
+                <a:sym typeface="Arial"/>
+              </a:defRPr>
+            </a:lvl1pPr>
+            <a:lvl2pPr marR="0" lvl="1" algn="l" rtl="0">
+              <a:lnSpc>
+                <a:spcPct val="100000"/>
+              </a:lnSpc>
+              <a:spcBef>
+                <a:spcPts val="0"/>
+              </a:spcBef>
+              <a:spcAft>
+                <a:spcPts val="0"/>
+              </a:spcAft>
+              <a:buClr>
+                <a:schemeClr val="dk1"/>
+              </a:buClr>
+              <a:buSzPts val="2800"/>
+              <a:buFont typeface="Arial"/>
+              <a:buNone/>
+              <a:defRPr sz="2800" b="0" i="0" u="none" strike="noStrike" cap="none">
+                <a:solidFill>
+                  <a:schemeClr val="dk1"/>
+                </a:solidFill>
+                <a:latin typeface="Arial"/>
+                <a:ea typeface="Arial"/>
+                <a:cs typeface="Arial"/>
+                <a:sym typeface="Arial"/>
+              </a:defRPr>
+            </a:lvl2pPr>
+            <a:lvl3pPr marR="0" lvl="2" algn="l" rtl="0">
+              <a:lnSpc>
+                <a:spcPct val="100000"/>
+              </a:lnSpc>
+              <a:spcBef>
+                <a:spcPts val="0"/>
+              </a:spcBef>
+              <a:spcAft>
+                <a:spcPts val="0"/>
+              </a:spcAft>
+              <a:buClr>
+                <a:schemeClr val="dk1"/>
+              </a:buClr>
+              <a:buSzPts val="2800"/>
+              <a:buFont typeface="Arial"/>
+              <a:buNone/>
+              <a:defRPr sz="2800" b="0" i="0" u="none" strike="noStrike" cap="none">
+                <a:solidFill>
+                  <a:schemeClr val="dk1"/>
+                </a:solidFill>
+                <a:latin typeface="Arial"/>
+                <a:ea typeface="Arial"/>
+                <a:cs typeface="Arial"/>
+                <a:sym typeface="Arial"/>
+              </a:defRPr>
+            </a:lvl3pPr>
+            <a:lvl4pPr marR="0" lvl="3" algn="l" rtl="0">
+              <a:lnSpc>
+                <a:spcPct val="100000"/>
+              </a:lnSpc>
+              <a:spcBef>
+                <a:spcPts val="0"/>
+              </a:spcBef>
+              <a:spcAft>
+                <a:spcPts val="0"/>
+              </a:spcAft>
+              <a:buClr>
+                <a:schemeClr val="dk1"/>
+              </a:buClr>
+              <a:buSzPts val="2800"/>
+              <a:buFont typeface="Arial"/>
+              <a:buNone/>
+              <a:defRPr sz="2800" b="0" i="0" u="none" strike="noStrike" cap="none">
+                <a:solidFill>
+                  <a:schemeClr val="dk1"/>
+                </a:solidFill>
+                <a:latin typeface="Arial"/>
+                <a:ea typeface="Arial"/>
+                <a:cs typeface="Arial"/>
+                <a:sym typeface="Arial"/>
+              </a:defRPr>
+            </a:lvl4pPr>
+            <a:lvl5pPr marR="0" lvl="4" algn="l" rtl="0">
+              <a:lnSpc>
+                <a:spcPct val="100000"/>
+              </a:lnSpc>
+              <a:spcBef>
+                <a:spcPts val="0"/>
+              </a:spcBef>
+              <a:spcAft>
+                <a:spcPts val="0"/>
+              </a:spcAft>
+              <a:buClr>
+                <a:schemeClr val="dk1"/>
+              </a:buClr>
+              <a:buSzPts val="2800"/>
+              <a:buFont typeface="Arial"/>
+              <a:buNone/>
+              <a:defRPr sz="2800" b="0" i="0" u="none" strike="noStrike" cap="none">
+                <a:solidFill>
+                  <a:schemeClr val="dk1"/>
+                </a:solidFill>
+                <a:latin typeface="Arial"/>
+                <a:ea typeface="Arial"/>
+                <a:cs typeface="Arial"/>
+                <a:sym typeface="Arial"/>
+              </a:defRPr>
+            </a:lvl5pPr>
+            <a:lvl6pPr marR="0" lvl="5" algn="l" rtl="0">
+              <a:lnSpc>
+                <a:spcPct val="100000"/>
+              </a:lnSpc>
+              <a:spcBef>
+                <a:spcPts val="0"/>
+              </a:spcBef>
+              <a:spcAft>
+                <a:spcPts val="0"/>
+              </a:spcAft>
+              <a:buClr>
+                <a:schemeClr val="dk1"/>
+              </a:buClr>
+              <a:buSzPts val="2800"/>
+              <a:buFont typeface="Arial"/>
+              <a:buNone/>
+              <a:defRPr sz="2800" b="0" i="0" u="none" strike="noStrike" cap="none">
+                <a:solidFill>
+                  <a:schemeClr val="dk1"/>
+                </a:solidFill>
+                <a:latin typeface="Arial"/>
+                <a:ea typeface="Arial"/>
+                <a:cs typeface="Arial"/>
+                <a:sym typeface="Arial"/>
+              </a:defRPr>
+            </a:lvl6pPr>
+            <a:lvl7pPr marR="0" lvl="6" algn="l" rtl="0">
+              <a:lnSpc>
+                <a:spcPct val="100000"/>
+              </a:lnSpc>
+              <a:spcBef>
+                <a:spcPts val="0"/>
+              </a:spcBef>
+              <a:spcAft>
+                <a:spcPts val="0"/>
+              </a:spcAft>
+              <a:buClr>
+                <a:schemeClr val="dk1"/>
+              </a:buClr>
+              <a:buSzPts val="2800"/>
+              <a:buFont typeface="Arial"/>
+              <a:buNone/>
+              <a:defRPr sz="2800" b="0" i="0" u="none" strike="noStrike" cap="none">
+                <a:solidFill>
+                  <a:schemeClr val="dk1"/>
+                </a:solidFill>
+                <a:latin typeface="Arial"/>
+                <a:ea typeface="Arial"/>
+                <a:cs typeface="Arial"/>
+                <a:sym typeface="Arial"/>
+              </a:defRPr>
+            </a:lvl7pPr>
+            <a:lvl8pPr marR="0" lvl="7" algn="l" rtl="0">
+              <a:lnSpc>
+                <a:spcPct val="100000"/>
+              </a:lnSpc>
+              <a:spcBef>
+                <a:spcPts val="0"/>
+              </a:spcBef>
+              <a:spcAft>
+                <a:spcPts val="0"/>
+              </a:spcAft>
+              <a:buClr>
+                <a:schemeClr val="dk1"/>
+              </a:buClr>
+              <a:buSzPts val="2800"/>
+              <a:buFont typeface="Arial"/>
+              <a:buNone/>
+              <a:defRPr sz="2800" b="0" i="0" u="none" strike="noStrike" cap="none">
+                <a:solidFill>
+                  <a:schemeClr val="dk1"/>
+                </a:solidFill>
+                <a:latin typeface="Arial"/>
+                <a:ea typeface="Arial"/>
+                <a:cs typeface="Arial"/>
+                <a:sym typeface="Arial"/>
+              </a:defRPr>
+            </a:lvl8pPr>
+            <a:lvl9pPr marR="0" lvl="8" algn="l" rtl="0">
+              <a:lnSpc>
+                <a:spcPct val="100000"/>
+              </a:lnSpc>
+              <a:spcBef>
+                <a:spcPts val="0"/>
+              </a:spcBef>
+              <a:spcAft>
+                <a:spcPts val="0"/>
+              </a:spcAft>
+              <a:buClr>
+                <a:schemeClr val="dk1"/>
+              </a:buClr>
+              <a:buSzPts val="2800"/>
+              <a:buFont typeface="Arial"/>
+              <a:buNone/>
+              <a:defRPr sz="2800" b="0" i="0" u="none" strike="noStrike" cap="none">
+                <a:solidFill>
+                  <a:schemeClr val="dk1"/>
+                </a:solidFill>
+                <a:latin typeface="Arial"/>
+                <a:ea typeface="Arial"/>
+                <a:cs typeface="Arial"/>
+                <a:sym typeface="Arial"/>
+              </a:defRPr>
+            </a:lvl9pPr>
+          </a:lstStyle>
+          <a:p>
+            <a:r>
+              <a:rPr lang="fr-FR" sz="1800" dirty="0">
+                <a:solidFill>
+                  <a:srgbClr val="0E3449"/>
+                </a:solidFill>
+                <a:latin typeface="Inter"/>
+                <a:ea typeface="Inter"/>
+                <a:cs typeface="Inter"/>
+                <a:sym typeface="Inter"/>
+              </a:rPr>
+              <a:t> GG et GC par année </a:t>
+            </a:r>
+          </a:p>
+        </p:txBody>
+      </p:sp>
+      <p:sp>
+        <p:nvSpPr>
+          <p:cNvPr id="12" name="Google Shape;119;p6">
+            <a:extLst>
+              <a:ext uri="{FF2B5EF4-FFF2-40B4-BE49-F238E27FC236}">
+                <a16:creationId xmlns:a16="http://schemas.microsoft.com/office/drawing/2014/main" id="{0CFB55CD-F695-4510-B66C-9AFFC83119FE}"/>
+              </a:ext>
+            </a:extLst>
+          </p:cNvPr>
+          <p:cNvSpPr txBox="1">
+            <a:spLocks/>
+          </p:cNvSpPr>
+          <p:nvPr/>
+        </p:nvSpPr>
+        <p:spPr>
+          <a:xfrm>
+            <a:off x="5444124" y="1472473"/>
+            <a:ext cx="2934210" cy="510151"/>
+          </a:xfrm>
+          <a:prstGeom prst="rect">
+            <a:avLst/>
+          </a:prstGeom>
+          <a:noFill/>
+          <a:ln>
+            <a:noFill/>
+          </a:ln>
+        </p:spPr>
+        <p:txBody>
+          <a:bodyPr spcFirstLastPara="1" wrap="square" lIns="91425" tIns="91425" rIns="91425" bIns="91425" anchor="t" anchorCtr="0">
+            <a:noAutofit/>
+          </a:bodyPr>
+          <a:lstStyle>
+            <a:defPPr marR="0" lvl="0" algn="l" rtl="0">
+              <a:lnSpc>
+                <a:spcPct val="100000"/>
+              </a:lnSpc>
+              <a:spcBef>
+                <a:spcPts val="0"/>
+              </a:spcBef>
+              <a:spcAft>
+                <a:spcPts val="0"/>
+              </a:spcAft>
+            </a:defPPr>
+            <a:lvl1pPr marR="0" lvl="0" algn="l" rtl="0">
+              <a:lnSpc>
+                <a:spcPct val="100000"/>
+              </a:lnSpc>
+              <a:spcBef>
+                <a:spcPts val="0"/>
+              </a:spcBef>
+              <a:spcAft>
+                <a:spcPts val="0"/>
+              </a:spcAft>
+              <a:buClr>
+                <a:schemeClr val="dk1"/>
+              </a:buClr>
+              <a:buSzPts val="2800"/>
+              <a:buFont typeface="Arial"/>
+              <a:buNone/>
+              <a:defRPr sz="2800" b="0" i="0" u="none" strike="noStrike" cap="none">
+                <a:solidFill>
+                  <a:schemeClr val="dk1"/>
+                </a:solidFill>
+                <a:latin typeface="Arial"/>
+                <a:ea typeface="Arial"/>
+                <a:cs typeface="Arial"/>
+                <a:sym typeface="Arial"/>
+              </a:defRPr>
+            </a:lvl1pPr>
+            <a:lvl2pPr marR="0" lvl="1" algn="l" rtl="0">
+              <a:lnSpc>
+                <a:spcPct val="100000"/>
+              </a:lnSpc>
+              <a:spcBef>
+                <a:spcPts val="0"/>
+              </a:spcBef>
+              <a:spcAft>
+                <a:spcPts val="0"/>
+              </a:spcAft>
+              <a:buClr>
+                <a:schemeClr val="dk1"/>
+              </a:buClr>
+              <a:buSzPts val="2800"/>
+              <a:buFont typeface="Arial"/>
+              <a:buNone/>
+              <a:defRPr sz="2800" b="0" i="0" u="none" strike="noStrike" cap="none">
+                <a:solidFill>
+                  <a:schemeClr val="dk1"/>
+                </a:solidFill>
+                <a:latin typeface="Arial"/>
+                <a:ea typeface="Arial"/>
+                <a:cs typeface="Arial"/>
+                <a:sym typeface="Arial"/>
+              </a:defRPr>
+            </a:lvl2pPr>
+            <a:lvl3pPr marR="0" lvl="2" algn="l" rtl="0">
+              <a:lnSpc>
+                <a:spcPct val="100000"/>
+              </a:lnSpc>
+              <a:spcBef>
+                <a:spcPts val="0"/>
+              </a:spcBef>
+              <a:spcAft>
+                <a:spcPts val="0"/>
+              </a:spcAft>
+              <a:buClr>
+                <a:schemeClr val="dk1"/>
+              </a:buClr>
+              <a:buSzPts val="2800"/>
+              <a:buFont typeface="Arial"/>
+              <a:buNone/>
+              <a:defRPr sz="2800" b="0" i="0" u="none" strike="noStrike" cap="none">
+                <a:solidFill>
+                  <a:schemeClr val="dk1"/>
+                </a:solidFill>
+                <a:latin typeface="Arial"/>
+                <a:ea typeface="Arial"/>
+                <a:cs typeface="Arial"/>
+                <a:sym typeface="Arial"/>
+              </a:defRPr>
+            </a:lvl3pPr>
+            <a:lvl4pPr marR="0" lvl="3" algn="l" rtl="0">
+              <a:lnSpc>
+                <a:spcPct val="100000"/>
+              </a:lnSpc>
+              <a:spcBef>
+                <a:spcPts val="0"/>
+              </a:spcBef>
+              <a:spcAft>
+                <a:spcPts val="0"/>
+              </a:spcAft>
+              <a:buClr>
+                <a:schemeClr val="dk1"/>
+              </a:buClr>
+              <a:buSzPts val="2800"/>
+              <a:buFont typeface="Arial"/>
+              <a:buNone/>
+              <a:defRPr sz="2800" b="0" i="0" u="none" strike="noStrike" cap="none">
+                <a:solidFill>
+                  <a:schemeClr val="dk1"/>
+                </a:solidFill>
+                <a:latin typeface="Arial"/>
+                <a:ea typeface="Arial"/>
+                <a:cs typeface="Arial"/>
+                <a:sym typeface="Arial"/>
+              </a:defRPr>
+            </a:lvl4pPr>
+            <a:lvl5pPr marR="0" lvl="4" algn="l" rtl="0">
+              <a:lnSpc>
+                <a:spcPct val="100000"/>
+              </a:lnSpc>
+              <a:spcBef>
+                <a:spcPts val="0"/>
+              </a:spcBef>
+              <a:spcAft>
+                <a:spcPts val="0"/>
+              </a:spcAft>
+              <a:buClr>
+                <a:schemeClr val="dk1"/>
+              </a:buClr>
+              <a:buSzPts val="2800"/>
+              <a:buFont typeface="Arial"/>
+              <a:buNone/>
+              <a:defRPr sz="2800" b="0" i="0" u="none" strike="noStrike" cap="none">
+                <a:solidFill>
+                  <a:schemeClr val="dk1"/>
+                </a:solidFill>
+                <a:latin typeface="Arial"/>
+                <a:ea typeface="Arial"/>
+                <a:cs typeface="Arial"/>
+                <a:sym typeface="Arial"/>
+              </a:defRPr>
+            </a:lvl5pPr>
+            <a:lvl6pPr marR="0" lvl="5" algn="l" rtl="0">
+              <a:lnSpc>
+                <a:spcPct val="100000"/>
+              </a:lnSpc>
+              <a:spcBef>
+                <a:spcPts val="0"/>
+              </a:spcBef>
+              <a:spcAft>
+                <a:spcPts val="0"/>
+              </a:spcAft>
+              <a:buClr>
+                <a:schemeClr val="dk1"/>
+              </a:buClr>
+              <a:buSzPts val="2800"/>
+              <a:buFont typeface="Arial"/>
+              <a:buNone/>
+              <a:defRPr sz="2800" b="0" i="0" u="none" strike="noStrike" cap="none">
+                <a:solidFill>
+                  <a:schemeClr val="dk1"/>
+                </a:solidFill>
+                <a:latin typeface="Arial"/>
+                <a:ea typeface="Arial"/>
+                <a:cs typeface="Arial"/>
+                <a:sym typeface="Arial"/>
+              </a:defRPr>
+            </a:lvl6pPr>
+            <a:lvl7pPr marR="0" lvl="6" algn="l" rtl="0">
+              <a:lnSpc>
+                <a:spcPct val="100000"/>
+              </a:lnSpc>
+              <a:spcBef>
+                <a:spcPts val="0"/>
+              </a:spcBef>
+              <a:spcAft>
+                <a:spcPts val="0"/>
+              </a:spcAft>
+              <a:buClr>
+                <a:schemeClr val="dk1"/>
+              </a:buClr>
+              <a:buSzPts val="2800"/>
+              <a:buFont typeface="Arial"/>
+              <a:buNone/>
+              <a:defRPr sz="2800" b="0" i="0" u="none" strike="noStrike" cap="none">
+                <a:solidFill>
+                  <a:schemeClr val="dk1"/>
+                </a:solidFill>
+                <a:latin typeface="Arial"/>
+                <a:ea typeface="Arial"/>
+                <a:cs typeface="Arial"/>
+                <a:sym typeface="Arial"/>
+              </a:defRPr>
+            </a:lvl7pPr>
+            <a:lvl8pPr marR="0" lvl="7" algn="l" rtl="0">
+              <a:lnSpc>
+                <a:spcPct val="100000"/>
+              </a:lnSpc>
+              <a:spcBef>
+                <a:spcPts val="0"/>
+              </a:spcBef>
+              <a:spcAft>
+                <a:spcPts val="0"/>
+              </a:spcAft>
+              <a:buClr>
+                <a:schemeClr val="dk1"/>
+              </a:buClr>
+              <a:buSzPts val="2800"/>
+              <a:buFont typeface="Arial"/>
+              <a:buNone/>
+              <a:defRPr sz="2800" b="0" i="0" u="none" strike="noStrike" cap="none">
+                <a:solidFill>
+                  <a:schemeClr val="dk1"/>
+                </a:solidFill>
+                <a:latin typeface="Arial"/>
+                <a:ea typeface="Arial"/>
+                <a:cs typeface="Arial"/>
+                <a:sym typeface="Arial"/>
+              </a:defRPr>
+            </a:lvl8pPr>
+            <a:lvl9pPr marR="0" lvl="8" algn="l" rtl="0">
+              <a:lnSpc>
+                <a:spcPct val="100000"/>
+              </a:lnSpc>
+              <a:spcBef>
+                <a:spcPts val="0"/>
+              </a:spcBef>
+              <a:spcAft>
+                <a:spcPts val="0"/>
+              </a:spcAft>
+              <a:buClr>
+                <a:schemeClr val="dk1"/>
+              </a:buClr>
+              <a:buSzPts val="2800"/>
+              <a:buFont typeface="Arial"/>
+              <a:buNone/>
+              <a:defRPr sz="2800" b="0" i="0" u="none" strike="noStrike" cap="none">
+                <a:solidFill>
+                  <a:schemeClr val="dk1"/>
+                </a:solidFill>
+                <a:latin typeface="Arial"/>
+                <a:ea typeface="Arial"/>
+                <a:cs typeface="Arial"/>
+                <a:sym typeface="Arial"/>
+              </a:defRPr>
+            </a:lvl9pPr>
+          </a:lstStyle>
+          <a:p>
+            <a:r>
+              <a:rPr lang="fr-FR" sz="1800" dirty="0">
+                <a:solidFill>
+                  <a:srgbClr val="0E3449"/>
+                </a:solidFill>
+                <a:latin typeface="Inter"/>
+                <a:ea typeface="Inter"/>
+                <a:cs typeface="Inter"/>
+                <a:sym typeface="Inter"/>
+              </a:rPr>
+              <a:t>GG et GC par mois</a:t>
+            </a:r>
+          </a:p>
+        </p:txBody>
+      </p:sp>
     </p:spTree>
+    <p:extLst>
+      <p:ext uri="{BB962C8B-B14F-4D97-AF65-F5344CB8AC3E}">
+        <p14:creationId xmlns:p14="http://schemas.microsoft.com/office/powerpoint/2010/main" val="3908887064"/>
+      </p:ext>
+    </p:extLst>
+  </p:cSld>
+  <p:clrMapOvr>
+    <a:masterClrMapping/>
+  </p:clrMapOvr>
+</p:sld>
+</file>
+
+<file path=ppt/slides/slide8.xml><?xml version="1.0" encoding="utf-8"?>
+<p:sld xmlns:a="http://schemas.openxmlformats.org/drawingml/2006/main" xmlns:r="http://schemas.openxmlformats.org/officeDocument/2006/relationships" xmlns:p="http://schemas.openxmlformats.org/presentationml/2006/main">
+  <p:cSld>
+    <p:spTree>
+      <p:nvGrpSpPr>
+        <p:cNvPr id="1" name="Shape 118"/>
+        <p:cNvGrpSpPr/>
+        <p:nvPr/>
+      </p:nvGrpSpPr>
+      <p:grpSpPr>
+        <a:xfrm>
+          <a:off x="0" y="0"/>
+          <a:ext cx="0" cy="0"/>
+          <a:chOff x="0" y="0"/>
+          <a:chExt cx="0" cy="0"/>
+        </a:xfrm>
+      </p:grpSpPr>
+      <p:sp>
+        <p:nvSpPr>
+          <p:cNvPr id="119" name="Google Shape;119;p6"/>
+          <p:cNvSpPr txBox="1">
+            <a:spLocks noGrp="1"/>
+          </p:cNvSpPr>
+          <p:nvPr>
+            <p:ph type="ctrTitle" idx="4294967295"/>
+          </p:nvPr>
+        </p:nvSpPr>
+        <p:spPr>
+          <a:xfrm>
+            <a:off x="2367259" y="314392"/>
+            <a:ext cx="3769046" cy="533100"/>
+          </a:xfrm>
+          <a:prstGeom prst="rect">
+            <a:avLst/>
+          </a:prstGeom>
+          <a:noFill/>
+          <a:ln>
+            <a:noFill/>
+          </a:ln>
+        </p:spPr>
+        <p:txBody>
+          <a:bodyPr spcFirstLastPara="1" wrap="square" lIns="91425" tIns="91425" rIns="91425" bIns="91425" anchor="t" anchorCtr="0">
+            <a:noAutofit/>
+          </a:bodyPr>
+          <a:lstStyle/>
+          <a:p>
+            <a:pPr marL="0" marR="0" lvl="0" indent="0" algn="l" rtl="0">
+              <a:lnSpc>
+                <a:spcPct val="100000"/>
+              </a:lnSpc>
+              <a:spcBef>
+                <a:spcPts val="0"/>
+              </a:spcBef>
+              <a:spcAft>
+                <a:spcPts val="0"/>
+              </a:spcAft>
+              <a:buClr>
+                <a:schemeClr val="dk1"/>
+              </a:buClr>
+              <a:buSzPts val="2800"/>
+              <a:buFont typeface="Arial"/>
+              <a:buNone/>
+            </a:pPr>
+            <a:r>
+              <a:rPr lang="fr-FR" sz="2500" b="0" i="0" u="none" strike="noStrike" cap="none" dirty="0">
+                <a:solidFill>
+                  <a:srgbClr val="0E3449"/>
+                </a:solidFill>
+                <a:latin typeface="Inter"/>
+                <a:ea typeface="Inter"/>
+                <a:cs typeface="Inter"/>
+                <a:sym typeface="Inter"/>
+              </a:rPr>
+              <a:t>Evolution de GG et GC</a:t>
+            </a:r>
+            <a:endParaRPr sz="2500" b="0" i="0" u="none" strike="noStrike" cap="none" dirty="0">
+              <a:solidFill>
+                <a:srgbClr val="0E3449"/>
+              </a:solidFill>
+              <a:latin typeface="Inter"/>
+              <a:ea typeface="Inter"/>
+              <a:cs typeface="Inter"/>
+              <a:sym typeface="Inter"/>
+            </a:endParaRPr>
+          </a:p>
+        </p:txBody>
+      </p:sp>
+      <p:sp>
+        <p:nvSpPr>
+          <p:cNvPr id="121" name="Google Shape;121;p6"/>
+          <p:cNvSpPr/>
+          <p:nvPr/>
+        </p:nvSpPr>
+        <p:spPr>
+          <a:xfrm rot="-355994">
+            <a:off x="559853" y="2239609"/>
+            <a:ext cx="261199" cy="46747"/>
+          </a:xfrm>
+          <a:prstGeom prst="roundRect">
+            <a:avLst>
+              <a:gd name="adj" fmla="val 50000"/>
+            </a:avLst>
+          </a:prstGeom>
+          <a:solidFill>
+            <a:srgbClr val="C3FFFC"/>
+          </a:solidFill>
+          <a:ln>
+            <a:noFill/>
+          </a:ln>
+        </p:spPr>
+        <p:txBody>
+          <a:bodyPr spcFirstLastPara="1" wrap="square" lIns="91425" tIns="91425" rIns="91425" bIns="91425" anchor="ctr" anchorCtr="0">
+            <a:noAutofit/>
+          </a:bodyPr>
+          <a:lstStyle/>
+          <a:p>
+            <a:pPr marL="0" marR="0" lvl="0" indent="0" algn="l" rtl="0">
+              <a:lnSpc>
+                <a:spcPct val="100000"/>
+              </a:lnSpc>
+              <a:spcBef>
+                <a:spcPts val="0"/>
+              </a:spcBef>
+              <a:spcAft>
+                <a:spcPts val="0"/>
+              </a:spcAft>
+              <a:buClr>
+                <a:srgbClr val="000000"/>
+              </a:buClr>
+              <a:buSzPts val="1400"/>
+              <a:buFont typeface="Arial"/>
+              <a:buNone/>
+            </a:pPr>
+            <a:endParaRPr sz="1400" b="0" i="0" u="none" strike="noStrike" cap="none">
+              <a:solidFill>
+                <a:srgbClr val="000000"/>
+              </a:solidFill>
+              <a:latin typeface="Arial"/>
+              <a:ea typeface="Arial"/>
+              <a:cs typeface="Arial"/>
+              <a:sym typeface="Arial"/>
+            </a:endParaRPr>
+          </a:p>
+        </p:txBody>
+      </p:sp>
+      <p:sp>
+        <p:nvSpPr>
+          <p:cNvPr id="123" name="Google Shape;123;p6"/>
+          <p:cNvSpPr/>
+          <p:nvPr/>
+        </p:nvSpPr>
+        <p:spPr>
+          <a:xfrm rot="-355994">
+            <a:off x="559852" y="2772709"/>
+            <a:ext cx="261199" cy="46747"/>
+          </a:xfrm>
+          <a:prstGeom prst="roundRect">
+            <a:avLst>
+              <a:gd name="adj" fmla="val 50000"/>
+            </a:avLst>
+          </a:prstGeom>
+          <a:solidFill>
+            <a:srgbClr val="C3FFFC"/>
+          </a:solidFill>
+          <a:ln>
+            <a:noFill/>
+          </a:ln>
+        </p:spPr>
+        <p:txBody>
+          <a:bodyPr spcFirstLastPara="1" wrap="square" lIns="91425" tIns="91425" rIns="91425" bIns="91425" anchor="ctr" anchorCtr="0">
+            <a:noAutofit/>
+          </a:bodyPr>
+          <a:lstStyle/>
+          <a:p>
+            <a:pPr marL="0" marR="0" lvl="0" indent="0" algn="l" rtl="0">
+              <a:lnSpc>
+                <a:spcPct val="100000"/>
+              </a:lnSpc>
+              <a:spcBef>
+                <a:spcPts val="0"/>
+              </a:spcBef>
+              <a:spcAft>
+                <a:spcPts val="0"/>
+              </a:spcAft>
+              <a:buClr>
+                <a:srgbClr val="000000"/>
+              </a:buClr>
+              <a:buSzPts val="1400"/>
+              <a:buFont typeface="Arial"/>
+              <a:buNone/>
+            </a:pPr>
+            <a:endParaRPr sz="1400" b="0" i="0" u="none" strike="noStrike" cap="none">
+              <a:solidFill>
+                <a:srgbClr val="000000"/>
+              </a:solidFill>
+              <a:latin typeface="Arial"/>
+              <a:ea typeface="Arial"/>
+              <a:cs typeface="Arial"/>
+              <a:sym typeface="Arial"/>
+            </a:endParaRPr>
+          </a:p>
+        </p:txBody>
+      </p:sp>
+      <p:sp>
+        <p:nvSpPr>
+          <p:cNvPr id="125" name="Google Shape;125;p6"/>
+          <p:cNvSpPr/>
+          <p:nvPr/>
+        </p:nvSpPr>
+        <p:spPr>
+          <a:xfrm rot="-355994">
+            <a:off x="559853" y="3305809"/>
+            <a:ext cx="261199" cy="46747"/>
+          </a:xfrm>
+          <a:prstGeom prst="roundRect">
+            <a:avLst>
+              <a:gd name="adj" fmla="val 50000"/>
+            </a:avLst>
+          </a:prstGeom>
+          <a:solidFill>
+            <a:srgbClr val="C3FFFC"/>
+          </a:solidFill>
+          <a:ln>
+            <a:noFill/>
+          </a:ln>
+        </p:spPr>
+        <p:txBody>
+          <a:bodyPr spcFirstLastPara="1" wrap="square" lIns="91425" tIns="91425" rIns="91425" bIns="91425" anchor="ctr" anchorCtr="0">
+            <a:noAutofit/>
+          </a:bodyPr>
+          <a:lstStyle/>
+          <a:p>
+            <a:pPr marL="0" marR="0" lvl="0" indent="0" algn="l" rtl="0">
+              <a:lnSpc>
+                <a:spcPct val="100000"/>
+              </a:lnSpc>
+              <a:spcBef>
+                <a:spcPts val="0"/>
+              </a:spcBef>
+              <a:spcAft>
+                <a:spcPts val="0"/>
+              </a:spcAft>
+              <a:buClr>
+                <a:srgbClr val="000000"/>
+              </a:buClr>
+              <a:buSzPts val="1400"/>
+              <a:buFont typeface="Arial"/>
+              <a:buNone/>
+            </a:pPr>
+            <a:endParaRPr sz="1400" b="0" i="0" u="none" strike="noStrike" cap="none">
+              <a:solidFill>
+                <a:srgbClr val="000000"/>
+              </a:solidFill>
+              <a:latin typeface="Arial"/>
+              <a:ea typeface="Arial"/>
+              <a:cs typeface="Arial"/>
+              <a:sym typeface="Arial"/>
+            </a:endParaRPr>
+          </a:p>
+        </p:txBody>
+      </p:sp>
+      <p:pic>
+        <p:nvPicPr>
+          <p:cNvPr id="126" name="Google Shape;126;p6"/>
+          <p:cNvPicPr preferRelativeResize="0"/>
+          <p:nvPr/>
+        </p:nvPicPr>
+        <p:blipFill rotWithShape="1">
+          <a:blip r:embed="rId3">
+            <a:alphaModFix/>
+          </a:blip>
+          <a:srcRect/>
+          <a:stretch/>
+        </p:blipFill>
+        <p:spPr>
+          <a:xfrm>
+            <a:off x="463375" y="482852"/>
+            <a:ext cx="576900" cy="385904"/>
+          </a:xfrm>
+          <a:prstGeom prst="rect">
+            <a:avLst/>
+          </a:prstGeom>
+          <a:noFill/>
+          <a:ln>
+            <a:noFill/>
+          </a:ln>
+        </p:spPr>
+      </p:pic>
+      <p:sp>
+        <p:nvSpPr>
+          <p:cNvPr id="127" name="Google Shape;127;p6"/>
+          <p:cNvSpPr/>
+          <p:nvPr/>
+        </p:nvSpPr>
+        <p:spPr>
+          <a:xfrm>
+            <a:off x="10225" y="4892025"/>
+            <a:ext cx="9144000" cy="251400"/>
+          </a:xfrm>
+          <a:prstGeom prst="rect">
+            <a:avLst/>
+          </a:prstGeom>
+          <a:solidFill>
+            <a:srgbClr val="C3FFFC"/>
+          </a:solidFill>
+          <a:ln>
+            <a:noFill/>
+          </a:ln>
+        </p:spPr>
+        <p:txBody>
+          <a:bodyPr spcFirstLastPara="1" wrap="square" lIns="91425" tIns="91425" rIns="91425" bIns="91425" anchor="ctr" anchorCtr="0">
+            <a:noAutofit/>
+          </a:bodyPr>
+          <a:lstStyle/>
+          <a:p>
+            <a:pPr marL="0" marR="0" lvl="0" indent="0" algn="l" rtl="0">
+              <a:lnSpc>
+                <a:spcPct val="100000"/>
+              </a:lnSpc>
+              <a:spcBef>
+                <a:spcPts val="0"/>
+              </a:spcBef>
+              <a:spcAft>
+                <a:spcPts val="0"/>
+              </a:spcAft>
+              <a:buClr>
+                <a:srgbClr val="000000"/>
+              </a:buClr>
+              <a:buSzPts val="1400"/>
+              <a:buFont typeface="Arial"/>
+              <a:buNone/>
+            </a:pPr>
+            <a:endParaRPr sz="1400" b="0" i="0" u="none" strike="noStrike" cap="none">
+              <a:solidFill>
+                <a:srgbClr val="000000"/>
+              </a:solidFill>
+              <a:latin typeface="Arial"/>
+              <a:ea typeface="Arial"/>
+              <a:cs typeface="Arial"/>
+              <a:sym typeface="Arial"/>
+            </a:endParaRPr>
+          </a:p>
+        </p:txBody>
+      </p:sp>
+      <p:pic>
+        <p:nvPicPr>
+          <p:cNvPr id="4" name="Image 3">
+            <a:extLst>
+              <a:ext uri="{FF2B5EF4-FFF2-40B4-BE49-F238E27FC236}">
+                <a16:creationId xmlns:a16="http://schemas.microsoft.com/office/drawing/2014/main" id="{C85C9B70-9E16-4FF1-9B53-533292CA9869}"/>
+              </a:ext>
+            </a:extLst>
+          </p:cNvPr>
+          <p:cNvPicPr>
+            <a:picLocks noChangeAspect="1"/>
+          </p:cNvPicPr>
+          <p:nvPr/>
+        </p:nvPicPr>
+        <p:blipFill>
+          <a:blip r:embed="rId4"/>
+          <a:stretch>
+            <a:fillRect/>
+          </a:stretch>
+        </p:blipFill>
+        <p:spPr>
+          <a:xfrm>
+            <a:off x="249897" y="1748288"/>
+            <a:ext cx="3769046" cy="2784069"/>
+          </a:xfrm>
+          <a:prstGeom prst="rect">
+            <a:avLst/>
+          </a:prstGeom>
+        </p:spPr>
+      </p:pic>
+      <p:pic>
+        <p:nvPicPr>
+          <p:cNvPr id="6" name="Image 5" descr="Une image contenant homme&#10;&#10;Description générée automatiquement">
+            <a:extLst>
+              <a:ext uri="{FF2B5EF4-FFF2-40B4-BE49-F238E27FC236}">
+                <a16:creationId xmlns:a16="http://schemas.microsoft.com/office/drawing/2014/main" id="{C8FDD592-AA51-4FB7-9FFF-4C196C318024}"/>
+              </a:ext>
+            </a:extLst>
+          </p:cNvPr>
+          <p:cNvPicPr>
+            <a:picLocks noChangeAspect="1"/>
+          </p:cNvPicPr>
+          <p:nvPr/>
+        </p:nvPicPr>
+        <p:blipFill>
+          <a:blip r:embed="rId5"/>
+          <a:stretch>
+            <a:fillRect/>
+          </a:stretch>
+        </p:blipFill>
+        <p:spPr>
+          <a:xfrm>
+            <a:off x="4817327" y="1783238"/>
+            <a:ext cx="3946211" cy="2779320"/>
+          </a:xfrm>
+          <a:prstGeom prst="rect">
+            <a:avLst/>
+          </a:prstGeom>
+        </p:spPr>
+      </p:pic>
+      <p:sp>
+        <p:nvSpPr>
+          <p:cNvPr id="13" name="Google Shape;119;p6">
+            <a:extLst>
+              <a:ext uri="{FF2B5EF4-FFF2-40B4-BE49-F238E27FC236}">
+                <a16:creationId xmlns:a16="http://schemas.microsoft.com/office/drawing/2014/main" id="{A424075F-EF2D-4863-B81E-C7EEAD1CE4F2}"/>
+              </a:ext>
+            </a:extLst>
+          </p:cNvPr>
+          <p:cNvSpPr txBox="1">
+            <a:spLocks/>
+          </p:cNvSpPr>
+          <p:nvPr/>
+        </p:nvSpPr>
+        <p:spPr>
+          <a:xfrm>
+            <a:off x="926658" y="1176959"/>
+            <a:ext cx="2415524" cy="533100"/>
+          </a:xfrm>
+          <a:prstGeom prst="rect">
+            <a:avLst/>
+          </a:prstGeom>
+          <a:noFill/>
+          <a:ln>
+            <a:noFill/>
+          </a:ln>
+        </p:spPr>
+        <p:txBody>
+          <a:bodyPr spcFirstLastPara="1" wrap="square" lIns="91425" tIns="91425" rIns="91425" bIns="91425" anchor="t" anchorCtr="0">
+            <a:noAutofit/>
+          </a:bodyPr>
+          <a:lstStyle>
+            <a:defPPr marR="0" lvl="0" algn="l" rtl="0">
+              <a:lnSpc>
+                <a:spcPct val="100000"/>
+              </a:lnSpc>
+              <a:spcBef>
+                <a:spcPts val="0"/>
+              </a:spcBef>
+              <a:spcAft>
+                <a:spcPts val="0"/>
+              </a:spcAft>
+            </a:defPPr>
+            <a:lvl1pPr marR="0" lvl="0" algn="l" rtl="0">
+              <a:lnSpc>
+                <a:spcPct val="100000"/>
+              </a:lnSpc>
+              <a:spcBef>
+                <a:spcPts val="0"/>
+              </a:spcBef>
+              <a:spcAft>
+                <a:spcPts val="0"/>
+              </a:spcAft>
+              <a:buClr>
+                <a:schemeClr val="dk1"/>
+              </a:buClr>
+              <a:buSzPts val="2800"/>
+              <a:buFont typeface="Arial"/>
+              <a:buNone/>
+              <a:defRPr sz="2800" b="0" i="0" u="none" strike="noStrike" cap="none">
+                <a:solidFill>
+                  <a:schemeClr val="dk1"/>
+                </a:solidFill>
+                <a:latin typeface="Arial"/>
+                <a:ea typeface="Arial"/>
+                <a:cs typeface="Arial"/>
+                <a:sym typeface="Arial"/>
+              </a:defRPr>
+            </a:lvl1pPr>
+            <a:lvl2pPr marR="0" lvl="1" algn="l" rtl="0">
+              <a:lnSpc>
+                <a:spcPct val="100000"/>
+              </a:lnSpc>
+              <a:spcBef>
+                <a:spcPts val="0"/>
+              </a:spcBef>
+              <a:spcAft>
+                <a:spcPts val="0"/>
+              </a:spcAft>
+              <a:buClr>
+                <a:schemeClr val="dk1"/>
+              </a:buClr>
+              <a:buSzPts val="2800"/>
+              <a:buFont typeface="Arial"/>
+              <a:buNone/>
+              <a:defRPr sz="2800" b="0" i="0" u="none" strike="noStrike" cap="none">
+                <a:solidFill>
+                  <a:schemeClr val="dk1"/>
+                </a:solidFill>
+                <a:latin typeface="Arial"/>
+                <a:ea typeface="Arial"/>
+                <a:cs typeface="Arial"/>
+                <a:sym typeface="Arial"/>
+              </a:defRPr>
+            </a:lvl2pPr>
+            <a:lvl3pPr marR="0" lvl="2" algn="l" rtl="0">
+              <a:lnSpc>
+                <a:spcPct val="100000"/>
+              </a:lnSpc>
+              <a:spcBef>
+                <a:spcPts val="0"/>
+              </a:spcBef>
+              <a:spcAft>
+                <a:spcPts val="0"/>
+              </a:spcAft>
+              <a:buClr>
+                <a:schemeClr val="dk1"/>
+              </a:buClr>
+              <a:buSzPts val="2800"/>
+              <a:buFont typeface="Arial"/>
+              <a:buNone/>
+              <a:defRPr sz="2800" b="0" i="0" u="none" strike="noStrike" cap="none">
+                <a:solidFill>
+                  <a:schemeClr val="dk1"/>
+                </a:solidFill>
+                <a:latin typeface="Arial"/>
+                <a:ea typeface="Arial"/>
+                <a:cs typeface="Arial"/>
+                <a:sym typeface="Arial"/>
+              </a:defRPr>
+            </a:lvl3pPr>
+            <a:lvl4pPr marR="0" lvl="3" algn="l" rtl="0">
+              <a:lnSpc>
+                <a:spcPct val="100000"/>
+              </a:lnSpc>
+              <a:spcBef>
+                <a:spcPts val="0"/>
+              </a:spcBef>
+              <a:spcAft>
+                <a:spcPts val="0"/>
+              </a:spcAft>
+              <a:buClr>
+                <a:schemeClr val="dk1"/>
+              </a:buClr>
+              <a:buSzPts val="2800"/>
+              <a:buFont typeface="Arial"/>
+              <a:buNone/>
+              <a:defRPr sz="2800" b="0" i="0" u="none" strike="noStrike" cap="none">
+                <a:solidFill>
+                  <a:schemeClr val="dk1"/>
+                </a:solidFill>
+                <a:latin typeface="Arial"/>
+                <a:ea typeface="Arial"/>
+                <a:cs typeface="Arial"/>
+                <a:sym typeface="Arial"/>
+              </a:defRPr>
+            </a:lvl4pPr>
+            <a:lvl5pPr marR="0" lvl="4" algn="l" rtl="0">
+              <a:lnSpc>
+                <a:spcPct val="100000"/>
+              </a:lnSpc>
+              <a:spcBef>
+                <a:spcPts val="0"/>
+              </a:spcBef>
+              <a:spcAft>
+                <a:spcPts val="0"/>
+              </a:spcAft>
+              <a:buClr>
+                <a:schemeClr val="dk1"/>
+              </a:buClr>
+              <a:buSzPts val="2800"/>
+              <a:buFont typeface="Arial"/>
+              <a:buNone/>
+              <a:defRPr sz="2800" b="0" i="0" u="none" strike="noStrike" cap="none">
+                <a:solidFill>
+                  <a:schemeClr val="dk1"/>
+                </a:solidFill>
+                <a:latin typeface="Arial"/>
+                <a:ea typeface="Arial"/>
+                <a:cs typeface="Arial"/>
+                <a:sym typeface="Arial"/>
+              </a:defRPr>
+            </a:lvl5pPr>
+            <a:lvl6pPr marR="0" lvl="5" algn="l" rtl="0">
+              <a:lnSpc>
+                <a:spcPct val="100000"/>
+              </a:lnSpc>
+              <a:spcBef>
+                <a:spcPts val="0"/>
+              </a:spcBef>
+              <a:spcAft>
+                <a:spcPts val="0"/>
+              </a:spcAft>
+              <a:buClr>
+                <a:schemeClr val="dk1"/>
+              </a:buClr>
+              <a:buSzPts val="2800"/>
+              <a:buFont typeface="Arial"/>
+              <a:buNone/>
+              <a:defRPr sz="2800" b="0" i="0" u="none" strike="noStrike" cap="none">
+                <a:solidFill>
+                  <a:schemeClr val="dk1"/>
+                </a:solidFill>
+                <a:latin typeface="Arial"/>
+                <a:ea typeface="Arial"/>
+                <a:cs typeface="Arial"/>
+                <a:sym typeface="Arial"/>
+              </a:defRPr>
+            </a:lvl6pPr>
+            <a:lvl7pPr marR="0" lvl="6" algn="l" rtl="0">
+              <a:lnSpc>
+                <a:spcPct val="100000"/>
+              </a:lnSpc>
+              <a:spcBef>
+                <a:spcPts val="0"/>
+              </a:spcBef>
+              <a:spcAft>
+                <a:spcPts val="0"/>
+              </a:spcAft>
+              <a:buClr>
+                <a:schemeClr val="dk1"/>
+              </a:buClr>
+              <a:buSzPts val="2800"/>
+              <a:buFont typeface="Arial"/>
+              <a:buNone/>
+              <a:defRPr sz="2800" b="0" i="0" u="none" strike="noStrike" cap="none">
+                <a:solidFill>
+                  <a:schemeClr val="dk1"/>
+                </a:solidFill>
+                <a:latin typeface="Arial"/>
+                <a:ea typeface="Arial"/>
+                <a:cs typeface="Arial"/>
+                <a:sym typeface="Arial"/>
+              </a:defRPr>
+            </a:lvl7pPr>
+            <a:lvl8pPr marR="0" lvl="7" algn="l" rtl="0">
+              <a:lnSpc>
+                <a:spcPct val="100000"/>
+              </a:lnSpc>
+              <a:spcBef>
+                <a:spcPts val="0"/>
+              </a:spcBef>
+              <a:spcAft>
+                <a:spcPts val="0"/>
+              </a:spcAft>
+              <a:buClr>
+                <a:schemeClr val="dk1"/>
+              </a:buClr>
+              <a:buSzPts val="2800"/>
+              <a:buFont typeface="Arial"/>
+              <a:buNone/>
+              <a:defRPr sz="2800" b="0" i="0" u="none" strike="noStrike" cap="none">
+                <a:solidFill>
+                  <a:schemeClr val="dk1"/>
+                </a:solidFill>
+                <a:latin typeface="Arial"/>
+                <a:ea typeface="Arial"/>
+                <a:cs typeface="Arial"/>
+                <a:sym typeface="Arial"/>
+              </a:defRPr>
+            </a:lvl8pPr>
+            <a:lvl9pPr marR="0" lvl="8" algn="l" rtl="0">
+              <a:lnSpc>
+                <a:spcPct val="100000"/>
+              </a:lnSpc>
+              <a:spcBef>
+                <a:spcPts val="0"/>
+              </a:spcBef>
+              <a:spcAft>
+                <a:spcPts val="0"/>
+              </a:spcAft>
+              <a:buClr>
+                <a:schemeClr val="dk1"/>
+              </a:buClr>
+              <a:buSzPts val="2800"/>
+              <a:buFont typeface="Arial"/>
+              <a:buNone/>
+              <a:defRPr sz="2800" b="0" i="0" u="none" strike="noStrike" cap="none">
+                <a:solidFill>
+                  <a:schemeClr val="dk1"/>
+                </a:solidFill>
+                <a:latin typeface="Arial"/>
+                <a:ea typeface="Arial"/>
+                <a:cs typeface="Arial"/>
+                <a:sym typeface="Arial"/>
+              </a:defRPr>
+            </a:lvl9pPr>
+          </a:lstStyle>
+          <a:p>
+            <a:r>
+              <a:rPr lang="fr-FR" sz="1800" dirty="0">
+                <a:solidFill>
+                  <a:srgbClr val="0E3449"/>
+                </a:solidFill>
+                <a:latin typeface="Inter"/>
+                <a:ea typeface="Inter"/>
+                <a:cs typeface="Inter"/>
+                <a:sym typeface="Inter"/>
+              </a:rPr>
+              <a:t>GG et GC par jour</a:t>
+            </a:r>
+          </a:p>
+        </p:txBody>
+      </p:sp>
+      <p:sp>
+        <p:nvSpPr>
+          <p:cNvPr id="14" name="Google Shape;119;p6">
+            <a:extLst>
+              <a:ext uri="{FF2B5EF4-FFF2-40B4-BE49-F238E27FC236}">
+                <a16:creationId xmlns:a16="http://schemas.microsoft.com/office/drawing/2014/main" id="{8005B64F-18F1-4ECD-A73D-88F3F9B6F9DC}"/>
+              </a:ext>
+            </a:extLst>
+          </p:cNvPr>
+          <p:cNvSpPr txBox="1">
+            <a:spLocks/>
+          </p:cNvSpPr>
+          <p:nvPr/>
+        </p:nvSpPr>
+        <p:spPr>
+          <a:xfrm>
+            <a:off x="5542197" y="1187221"/>
+            <a:ext cx="2724574" cy="533100"/>
+          </a:xfrm>
+          <a:prstGeom prst="rect">
+            <a:avLst/>
+          </a:prstGeom>
+          <a:noFill/>
+          <a:ln>
+            <a:noFill/>
+          </a:ln>
+        </p:spPr>
+        <p:txBody>
+          <a:bodyPr spcFirstLastPara="1" wrap="square" lIns="91425" tIns="91425" rIns="91425" bIns="91425" anchor="t" anchorCtr="0">
+            <a:noAutofit/>
+          </a:bodyPr>
+          <a:lstStyle>
+            <a:defPPr marR="0" lvl="0" algn="l" rtl="0">
+              <a:lnSpc>
+                <a:spcPct val="100000"/>
+              </a:lnSpc>
+              <a:spcBef>
+                <a:spcPts val="0"/>
+              </a:spcBef>
+              <a:spcAft>
+                <a:spcPts val="0"/>
+              </a:spcAft>
+            </a:defPPr>
+            <a:lvl1pPr marR="0" lvl="0" algn="l" rtl="0">
+              <a:lnSpc>
+                <a:spcPct val="100000"/>
+              </a:lnSpc>
+              <a:spcBef>
+                <a:spcPts val="0"/>
+              </a:spcBef>
+              <a:spcAft>
+                <a:spcPts val="0"/>
+              </a:spcAft>
+              <a:buClr>
+                <a:schemeClr val="dk1"/>
+              </a:buClr>
+              <a:buSzPts val="2800"/>
+              <a:buFont typeface="Arial"/>
+              <a:buNone/>
+              <a:defRPr sz="2800" b="0" i="0" u="none" strike="noStrike" cap="none">
+                <a:solidFill>
+                  <a:schemeClr val="dk1"/>
+                </a:solidFill>
+                <a:latin typeface="Arial"/>
+                <a:ea typeface="Arial"/>
+                <a:cs typeface="Arial"/>
+                <a:sym typeface="Arial"/>
+              </a:defRPr>
+            </a:lvl1pPr>
+            <a:lvl2pPr marR="0" lvl="1" algn="l" rtl="0">
+              <a:lnSpc>
+                <a:spcPct val="100000"/>
+              </a:lnSpc>
+              <a:spcBef>
+                <a:spcPts val="0"/>
+              </a:spcBef>
+              <a:spcAft>
+                <a:spcPts val="0"/>
+              </a:spcAft>
+              <a:buClr>
+                <a:schemeClr val="dk1"/>
+              </a:buClr>
+              <a:buSzPts val="2800"/>
+              <a:buFont typeface="Arial"/>
+              <a:buNone/>
+              <a:defRPr sz="2800" b="0" i="0" u="none" strike="noStrike" cap="none">
+                <a:solidFill>
+                  <a:schemeClr val="dk1"/>
+                </a:solidFill>
+                <a:latin typeface="Arial"/>
+                <a:ea typeface="Arial"/>
+                <a:cs typeface="Arial"/>
+                <a:sym typeface="Arial"/>
+              </a:defRPr>
+            </a:lvl2pPr>
+            <a:lvl3pPr marR="0" lvl="2" algn="l" rtl="0">
+              <a:lnSpc>
+                <a:spcPct val="100000"/>
+              </a:lnSpc>
+              <a:spcBef>
+                <a:spcPts val="0"/>
+              </a:spcBef>
+              <a:spcAft>
+                <a:spcPts val="0"/>
+              </a:spcAft>
+              <a:buClr>
+                <a:schemeClr val="dk1"/>
+              </a:buClr>
+              <a:buSzPts val="2800"/>
+              <a:buFont typeface="Arial"/>
+              <a:buNone/>
+              <a:defRPr sz="2800" b="0" i="0" u="none" strike="noStrike" cap="none">
+                <a:solidFill>
+                  <a:schemeClr val="dk1"/>
+                </a:solidFill>
+                <a:latin typeface="Arial"/>
+                <a:ea typeface="Arial"/>
+                <a:cs typeface="Arial"/>
+                <a:sym typeface="Arial"/>
+              </a:defRPr>
+            </a:lvl3pPr>
+            <a:lvl4pPr marR="0" lvl="3" algn="l" rtl="0">
+              <a:lnSpc>
+                <a:spcPct val="100000"/>
+              </a:lnSpc>
+              <a:spcBef>
+                <a:spcPts val="0"/>
+              </a:spcBef>
+              <a:spcAft>
+                <a:spcPts val="0"/>
+              </a:spcAft>
+              <a:buClr>
+                <a:schemeClr val="dk1"/>
+              </a:buClr>
+              <a:buSzPts val="2800"/>
+              <a:buFont typeface="Arial"/>
+              <a:buNone/>
+              <a:defRPr sz="2800" b="0" i="0" u="none" strike="noStrike" cap="none">
+                <a:solidFill>
+                  <a:schemeClr val="dk1"/>
+                </a:solidFill>
+                <a:latin typeface="Arial"/>
+                <a:ea typeface="Arial"/>
+                <a:cs typeface="Arial"/>
+                <a:sym typeface="Arial"/>
+              </a:defRPr>
+            </a:lvl4pPr>
+            <a:lvl5pPr marR="0" lvl="4" algn="l" rtl="0">
+              <a:lnSpc>
+                <a:spcPct val="100000"/>
+              </a:lnSpc>
+              <a:spcBef>
+                <a:spcPts val="0"/>
+              </a:spcBef>
+              <a:spcAft>
+                <a:spcPts val="0"/>
+              </a:spcAft>
+              <a:buClr>
+                <a:schemeClr val="dk1"/>
+              </a:buClr>
+              <a:buSzPts val="2800"/>
+              <a:buFont typeface="Arial"/>
+              <a:buNone/>
+              <a:defRPr sz="2800" b="0" i="0" u="none" strike="noStrike" cap="none">
+                <a:solidFill>
+                  <a:schemeClr val="dk1"/>
+                </a:solidFill>
+                <a:latin typeface="Arial"/>
+                <a:ea typeface="Arial"/>
+                <a:cs typeface="Arial"/>
+                <a:sym typeface="Arial"/>
+              </a:defRPr>
+            </a:lvl5pPr>
+            <a:lvl6pPr marR="0" lvl="5" algn="l" rtl="0">
+              <a:lnSpc>
+                <a:spcPct val="100000"/>
+              </a:lnSpc>
+              <a:spcBef>
+                <a:spcPts val="0"/>
+              </a:spcBef>
+              <a:spcAft>
+                <a:spcPts val="0"/>
+              </a:spcAft>
+              <a:buClr>
+                <a:schemeClr val="dk1"/>
+              </a:buClr>
+              <a:buSzPts val="2800"/>
+              <a:buFont typeface="Arial"/>
+              <a:buNone/>
+              <a:defRPr sz="2800" b="0" i="0" u="none" strike="noStrike" cap="none">
+                <a:solidFill>
+                  <a:schemeClr val="dk1"/>
+                </a:solidFill>
+                <a:latin typeface="Arial"/>
+                <a:ea typeface="Arial"/>
+                <a:cs typeface="Arial"/>
+                <a:sym typeface="Arial"/>
+              </a:defRPr>
+            </a:lvl6pPr>
+            <a:lvl7pPr marR="0" lvl="6" algn="l" rtl="0">
+              <a:lnSpc>
+                <a:spcPct val="100000"/>
+              </a:lnSpc>
+              <a:spcBef>
+                <a:spcPts val="0"/>
+              </a:spcBef>
+              <a:spcAft>
+                <a:spcPts val="0"/>
+              </a:spcAft>
+              <a:buClr>
+                <a:schemeClr val="dk1"/>
+              </a:buClr>
+              <a:buSzPts val="2800"/>
+              <a:buFont typeface="Arial"/>
+              <a:buNone/>
+              <a:defRPr sz="2800" b="0" i="0" u="none" strike="noStrike" cap="none">
+                <a:solidFill>
+                  <a:schemeClr val="dk1"/>
+                </a:solidFill>
+                <a:latin typeface="Arial"/>
+                <a:ea typeface="Arial"/>
+                <a:cs typeface="Arial"/>
+                <a:sym typeface="Arial"/>
+              </a:defRPr>
+            </a:lvl7pPr>
+            <a:lvl8pPr marR="0" lvl="7" algn="l" rtl="0">
+              <a:lnSpc>
+                <a:spcPct val="100000"/>
+              </a:lnSpc>
+              <a:spcBef>
+                <a:spcPts val="0"/>
+              </a:spcBef>
+              <a:spcAft>
+                <a:spcPts val="0"/>
+              </a:spcAft>
+              <a:buClr>
+                <a:schemeClr val="dk1"/>
+              </a:buClr>
+              <a:buSzPts val="2800"/>
+              <a:buFont typeface="Arial"/>
+              <a:buNone/>
+              <a:defRPr sz="2800" b="0" i="0" u="none" strike="noStrike" cap="none">
+                <a:solidFill>
+                  <a:schemeClr val="dk1"/>
+                </a:solidFill>
+                <a:latin typeface="Arial"/>
+                <a:ea typeface="Arial"/>
+                <a:cs typeface="Arial"/>
+                <a:sym typeface="Arial"/>
+              </a:defRPr>
+            </a:lvl8pPr>
+            <a:lvl9pPr marR="0" lvl="8" algn="l" rtl="0">
+              <a:lnSpc>
+                <a:spcPct val="100000"/>
+              </a:lnSpc>
+              <a:spcBef>
+                <a:spcPts val="0"/>
+              </a:spcBef>
+              <a:spcAft>
+                <a:spcPts val="0"/>
+              </a:spcAft>
+              <a:buClr>
+                <a:schemeClr val="dk1"/>
+              </a:buClr>
+              <a:buSzPts val="2800"/>
+              <a:buFont typeface="Arial"/>
+              <a:buNone/>
+              <a:defRPr sz="2800" b="0" i="0" u="none" strike="noStrike" cap="none">
+                <a:solidFill>
+                  <a:schemeClr val="dk1"/>
+                </a:solidFill>
+                <a:latin typeface="Arial"/>
+                <a:ea typeface="Arial"/>
+                <a:cs typeface="Arial"/>
+                <a:sym typeface="Arial"/>
+              </a:defRPr>
+            </a:lvl9pPr>
+          </a:lstStyle>
+          <a:p>
+            <a:r>
+              <a:rPr lang="fr-FR" sz="1800" dirty="0">
+                <a:solidFill>
+                  <a:srgbClr val="0E3449"/>
+                </a:solidFill>
+                <a:latin typeface="Inter"/>
+                <a:ea typeface="Inter"/>
+                <a:cs typeface="Inter"/>
+                <a:sym typeface="Inter"/>
+              </a:rPr>
+              <a:t>GG et GC par heure</a:t>
+            </a:r>
+          </a:p>
+        </p:txBody>
+      </p:sp>
+    </p:spTree>
+    <p:extLst>
+      <p:ext uri="{BB962C8B-B14F-4D97-AF65-F5344CB8AC3E}">
+        <p14:creationId xmlns:p14="http://schemas.microsoft.com/office/powerpoint/2010/main" val="329415771"/>
+      </p:ext>
+    </p:extLst>
+  </p:cSld>
+  <p:clrMapOvr>
+    <a:masterClrMapping/>
+  </p:clrMapOvr>
+</p:sld>
+</file>
+
+<file path=ppt/slides/slide9.xml><?xml version="1.0" encoding="utf-8"?>
+<p:sld xmlns:a="http://schemas.openxmlformats.org/drawingml/2006/main" xmlns:r="http://schemas.openxmlformats.org/officeDocument/2006/relationships" xmlns:p="http://schemas.openxmlformats.org/presentationml/2006/main">
+  <p:cSld>
+    <p:spTree>
+      <p:nvGrpSpPr>
+        <p:cNvPr id="1" name="Shape 118"/>
+        <p:cNvGrpSpPr/>
+        <p:nvPr/>
+      </p:nvGrpSpPr>
+      <p:grpSpPr>
+        <a:xfrm>
+          <a:off x="0" y="0"/>
+          <a:ext cx="0" cy="0"/>
+          <a:chOff x="0" y="0"/>
+          <a:chExt cx="0" cy="0"/>
+        </a:xfrm>
+      </p:grpSpPr>
+      <p:sp>
+        <p:nvSpPr>
+          <p:cNvPr id="119" name="Google Shape;119;p6"/>
+          <p:cNvSpPr txBox="1">
+            <a:spLocks noGrp="1"/>
+          </p:cNvSpPr>
+          <p:nvPr>
+            <p:ph type="ctrTitle" idx="4294967295"/>
+          </p:nvPr>
+        </p:nvSpPr>
+        <p:spPr>
+          <a:xfrm>
+            <a:off x="1192664" y="403309"/>
+            <a:ext cx="6248916" cy="533100"/>
+          </a:xfrm>
+          <a:prstGeom prst="rect">
+            <a:avLst/>
+          </a:prstGeom>
+          <a:noFill/>
+          <a:ln>
+            <a:noFill/>
+          </a:ln>
+        </p:spPr>
+        <p:txBody>
+          <a:bodyPr spcFirstLastPara="1" wrap="square" lIns="91425" tIns="91425" rIns="91425" bIns="91425" anchor="t" anchorCtr="0">
+            <a:noAutofit/>
+          </a:bodyPr>
+          <a:lstStyle/>
+          <a:p>
+            <a:pPr marL="0" marR="0" lvl="0" indent="0" algn="l" rtl="0">
+              <a:lnSpc>
+                <a:spcPct val="100000"/>
+              </a:lnSpc>
+              <a:spcBef>
+                <a:spcPts val="0"/>
+              </a:spcBef>
+              <a:spcAft>
+                <a:spcPts val="0"/>
+              </a:spcAft>
+              <a:buClr>
+                <a:schemeClr val="dk1"/>
+              </a:buClr>
+              <a:buSzPts val="2800"/>
+              <a:buFont typeface="Arial"/>
+              <a:buNone/>
+            </a:pPr>
+            <a:r>
+              <a:rPr lang="fr" sz="2500" dirty="0">
+                <a:solidFill>
+                  <a:srgbClr val="0E3449"/>
+                </a:solidFill>
+                <a:latin typeface="Inter"/>
+                <a:ea typeface="Inter"/>
+                <a:cs typeface="Inter"/>
+                <a:sym typeface="Inter"/>
+              </a:rPr>
+              <a:t>Modélisation et Résultats (GG sur 3ans)</a:t>
+            </a:r>
+            <a:endParaRPr sz="2500" b="0" i="0" u="none" strike="noStrike" cap="none" dirty="0">
+              <a:solidFill>
+                <a:srgbClr val="0E3449"/>
+              </a:solidFill>
+              <a:latin typeface="Inter"/>
+              <a:ea typeface="Inter"/>
+              <a:cs typeface="Inter"/>
+              <a:sym typeface="Inter"/>
+            </a:endParaRPr>
+          </a:p>
+        </p:txBody>
+      </p:sp>
+      <p:pic>
+        <p:nvPicPr>
+          <p:cNvPr id="126" name="Google Shape;126;p6"/>
+          <p:cNvPicPr preferRelativeResize="0"/>
+          <p:nvPr/>
+        </p:nvPicPr>
+        <p:blipFill rotWithShape="1">
+          <a:blip r:embed="rId3">
+            <a:alphaModFix/>
+          </a:blip>
+          <a:srcRect/>
+          <a:stretch/>
+        </p:blipFill>
+        <p:spPr>
+          <a:xfrm>
+            <a:off x="463375" y="482852"/>
+            <a:ext cx="576900" cy="385904"/>
+          </a:xfrm>
+          <a:prstGeom prst="rect">
+            <a:avLst/>
+          </a:prstGeom>
+          <a:noFill/>
+          <a:ln>
+            <a:noFill/>
+          </a:ln>
+        </p:spPr>
+      </p:pic>
+      <p:sp>
+        <p:nvSpPr>
+          <p:cNvPr id="127" name="Google Shape;127;p6"/>
+          <p:cNvSpPr/>
+          <p:nvPr/>
+        </p:nvSpPr>
+        <p:spPr>
+          <a:xfrm>
+            <a:off x="10225" y="4921762"/>
+            <a:ext cx="9144000" cy="251400"/>
+          </a:xfrm>
+          <a:prstGeom prst="rect">
+            <a:avLst/>
+          </a:prstGeom>
+          <a:solidFill>
+            <a:srgbClr val="C3FFFC"/>
+          </a:solidFill>
+          <a:ln>
+            <a:noFill/>
+          </a:ln>
+        </p:spPr>
+        <p:txBody>
+          <a:bodyPr spcFirstLastPara="1" wrap="square" lIns="91425" tIns="91425" rIns="91425" bIns="91425" anchor="ctr" anchorCtr="0">
+            <a:noAutofit/>
+          </a:bodyPr>
+          <a:lstStyle/>
+          <a:p>
+            <a:pPr marL="0" marR="0" lvl="0" indent="0" algn="l" rtl="0">
+              <a:lnSpc>
+                <a:spcPct val="100000"/>
+              </a:lnSpc>
+              <a:spcBef>
+                <a:spcPts val="0"/>
+              </a:spcBef>
+              <a:spcAft>
+                <a:spcPts val="0"/>
+              </a:spcAft>
+              <a:buClr>
+                <a:srgbClr val="000000"/>
+              </a:buClr>
+              <a:buSzPts val="1400"/>
+              <a:buFont typeface="Arial"/>
+              <a:buNone/>
+            </a:pPr>
+            <a:endParaRPr sz="1400" b="0" i="0" u="none" strike="noStrike" cap="none">
+              <a:solidFill>
+                <a:srgbClr val="000000"/>
+              </a:solidFill>
+              <a:latin typeface="Arial"/>
+              <a:ea typeface="Arial"/>
+              <a:cs typeface="Arial"/>
+              <a:sym typeface="Arial"/>
+            </a:endParaRPr>
+          </a:p>
+        </p:txBody>
+      </p:sp>
+      <p:graphicFrame>
+        <p:nvGraphicFramePr>
+          <p:cNvPr id="4" name="Tableau 4">
+            <a:extLst>
+              <a:ext uri="{FF2B5EF4-FFF2-40B4-BE49-F238E27FC236}">
+                <a16:creationId xmlns:a16="http://schemas.microsoft.com/office/drawing/2014/main" id="{B2246729-16EE-4F26-9C73-E9AD38A978A6}"/>
+              </a:ext>
+            </a:extLst>
+          </p:cNvPr>
+          <p:cNvGraphicFramePr>
+            <a:graphicFrameLocks noGrp="1"/>
+          </p:cNvGraphicFramePr>
+          <p:nvPr>
+            <p:extLst>
+              <p:ext uri="{D42A27DB-BD31-4B8C-83A1-F6EECF244321}">
+                <p14:modId xmlns:p14="http://schemas.microsoft.com/office/powerpoint/2010/main" val="2680322237"/>
+              </p:ext>
+            </p:extLst>
+          </p:nvPr>
+        </p:nvGraphicFramePr>
+        <p:xfrm>
+          <a:off x="617034" y="1596954"/>
+          <a:ext cx="6980662" cy="2947389"/>
+        </p:xfrm>
+        <a:graphic>
+          <a:graphicData uri="http://schemas.openxmlformats.org/drawingml/2006/table">
+            <a:tbl>
+              <a:tblPr firstRow="1" bandRow="1">
+                <a:tableStyleId>{7DF18680-E054-41AD-8BC1-D1AEF772440D}</a:tableStyleId>
+              </a:tblPr>
+              <a:tblGrid>
+                <a:gridCol w="1813933">
+                  <a:extLst>
+                    <a:ext uri="{9D8B030D-6E8A-4147-A177-3AD203B41FA5}">
+                      <a16:colId xmlns:a16="http://schemas.microsoft.com/office/drawing/2014/main" val="3894542023"/>
+                    </a:ext>
+                  </a:extLst>
+                </a:gridCol>
+                <a:gridCol w="1501697">
+                  <a:extLst>
+                    <a:ext uri="{9D8B030D-6E8A-4147-A177-3AD203B41FA5}">
+                      <a16:colId xmlns:a16="http://schemas.microsoft.com/office/drawing/2014/main" val="1991466011"/>
+                    </a:ext>
+                  </a:extLst>
+                </a:gridCol>
+                <a:gridCol w="1256371">
+                  <a:extLst>
+                    <a:ext uri="{9D8B030D-6E8A-4147-A177-3AD203B41FA5}">
+                      <a16:colId xmlns:a16="http://schemas.microsoft.com/office/drawing/2014/main" val="3711043223"/>
+                    </a:ext>
+                  </a:extLst>
+                </a:gridCol>
+                <a:gridCol w="1353015">
+                  <a:extLst>
+                    <a:ext uri="{9D8B030D-6E8A-4147-A177-3AD203B41FA5}">
+                      <a16:colId xmlns:a16="http://schemas.microsoft.com/office/drawing/2014/main" val="784458039"/>
+                    </a:ext>
+                  </a:extLst>
+                </a:gridCol>
+                <a:gridCol w="1055646">
+                  <a:extLst>
+                    <a:ext uri="{9D8B030D-6E8A-4147-A177-3AD203B41FA5}">
+                      <a16:colId xmlns:a16="http://schemas.microsoft.com/office/drawing/2014/main" val="1532345866"/>
+                    </a:ext>
+                  </a:extLst>
+                </a:gridCol>
+              </a:tblGrid>
+              <a:tr h="421105">
+                <a:tc>
+                  <a:txBody>
+                    <a:bodyPr/>
+                    <a:lstStyle/>
+                    <a:p>
+                      <a:r>
+                        <a:rPr lang="fr-FR" dirty="0"/>
+                        <a:t>Modèle</a:t>
+                      </a:r>
+                    </a:p>
+                  </a:txBody>
+                  <a:tcPr/>
+                </a:tc>
+                <a:tc>
+                  <a:txBody>
+                    <a:bodyPr/>
+                    <a:lstStyle/>
+                    <a:p>
+                      <a:r>
+                        <a:rPr lang="fr-FR" dirty="0" err="1"/>
+                        <a:t>Accuracy</a:t>
+                      </a:r>
+                      <a:r>
+                        <a:rPr lang="fr-FR" dirty="0"/>
+                        <a:t> (R2)</a:t>
+                      </a:r>
+                    </a:p>
+                  </a:txBody>
+                  <a:tcPr/>
+                </a:tc>
+                <a:tc>
+                  <a:txBody>
+                    <a:bodyPr/>
+                    <a:lstStyle/>
+                    <a:p>
+                      <a:r>
+                        <a:rPr lang="fr-FR" dirty="0"/>
+                        <a:t>MSE</a:t>
+                      </a:r>
+                    </a:p>
+                  </a:txBody>
+                  <a:tcPr/>
+                </a:tc>
+                <a:tc>
+                  <a:txBody>
+                    <a:bodyPr/>
+                    <a:lstStyle/>
+                    <a:p>
+                      <a:r>
+                        <a:rPr lang="fr-FR" dirty="0"/>
+                        <a:t>MAE</a:t>
+                      </a:r>
+                    </a:p>
+                  </a:txBody>
+                  <a:tcPr/>
+                </a:tc>
+                <a:tc>
+                  <a:txBody>
+                    <a:bodyPr/>
+                    <a:lstStyle/>
+                    <a:p>
+                      <a:endParaRPr lang="fr-FR" dirty="0"/>
+                    </a:p>
+                  </a:txBody>
+                  <a:tcPr/>
+                </a:tc>
+                <a:extLst>
+                  <a:ext uri="{0D108BD9-81ED-4DB2-BD59-A6C34878D82A}">
+                    <a16:rowId xmlns:a16="http://schemas.microsoft.com/office/drawing/2014/main" val="1551395828"/>
+                  </a:ext>
+                </a:extLst>
+              </a:tr>
+              <a:tr h="592582">
+                <a:tc>
+                  <a:txBody>
+                    <a:bodyPr/>
+                    <a:lstStyle/>
+                    <a:p>
+                      <a:r>
+                        <a:rPr lang="fr-FR" dirty="0"/>
+                        <a:t>OLS</a:t>
+                      </a:r>
+                    </a:p>
+                    <a:p>
+                      <a:r>
+                        <a:rPr lang="fr-FR" dirty="0"/>
+                        <a:t>(Moindres Carrés)</a:t>
+                      </a:r>
+                    </a:p>
+                  </a:txBody>
+                  <a:tcPr/>
+                </a:tc>
+                <a:tc>
+                  <a:txBody>
+                    <a:bodyPr/>
+                    <a:lstStyle/>
+                    <a:p>
+                      <a:r>
+                        <a:rPr lang="fr-FR" dirty="0"/>
+                        <a:t>0.58</a:t>
+                      </a:r>
+                    </a:p>
+                  </a:txBody>
+                  <a:tcPr/>
+                </a:tc>
+                <a:tc>
+                  <a:txBody>
+                    <a:bodyPr/>
+                    <a:lstStyle/>
+                    <a:p>
+                      <a:endParaRPr lang="fr-FR" dirty="0"/>
+                    </a:p>
+                  </a:txBody>
+                  <a:tcPr/>
+                </a:tc>
+                <a:tc>
+                  <a:txBody>
+                    <a:bodyPr/>
+                    <a:lstStyle/>
+                    <a:p>
+                      <a:endParaRPr lang="fr-FR"/>
+                    </a:p>
+                  </a:txBody>
+                  <a:tcPr/>
+                </a:tc>
+                <a:tc>
+                  <a:txBody>
+                    <a:bodyPr/>
+                    <a:lstStyle/>
+                    <a:p>
+                      <a:endParaRPr lang="fr-FR"/>
+                    </a:p>
+                  </a:txBody>
+                  <a:tcPr/>
+                </a:tc>
+                <a:extLst>
+                  <a:ext uri="{0D108BD9-81ED-4DB2-BD59-A6C34878D82A}">
+                    <a16:rowId xmlns:a16="http://schemas.microsoft.com/office/drawing/2014/main" val="2888927716"/>
+                  </a:ext>
+                </a:extLst>
+              </a:tr>
+              <a:tr h="592582">
+                <a:tc>
+                  <a:txBody>
+                    <a:bodyPr/>
+                    <a:lstStyle/>
+                    <a:p>
+                      <a:pPr marL="0" marR="0" lvl="0" indent="0" algn="l" defTabSz="914400" rtl="0" eaLnBrk="1" fontAlgn="auto" latinLnBrk="0" hangingPunct="1">
+                        <a:lnSpc>
+                          <a:spcPct val="100000"/>
+                        </a:lnSpc>
+                        <a:spcBef>
+                          <a:spcPts val="0"/>
+                        </a:spcBef>
+                        <a:spcAft>
+                          <a:spcPts val="0"/>
+                        </a:spcAft>
+                        <a:buClr>
+                          <a:srgbClr val="000000"/>
+                        </a:buClr>
+                        <a:buSzTx/>
+                        <a:buFont typeface="Arial"/>
+                        <a:buNone/>
+                        <a:tabLst/>
+                        <a:defRPr/>
+                      </a:pPr>
+                      <a:r>
+                        <a:rPr lang="fr-FR" dirty="0" err="1"/>
+                        <a:t>Regression</a:t>
+                      </a:r>
+                      <a:r>
+                        <a:rPr lang="fr-FR" dirty="0"/>
+                        <a:t> Linéaire</a:t>
+                      </a:r>
+                    </a:p>
+                    <a:p>
+                      <a:endParaRPr lang="fr-FR" dirty="0"/>
+                    </a:p>
+                  </a:txBody>
+                  <a:tcPr/>
+                </a:tc>
+                <a:tc>
+                  <a:txBody>
+                    <a:bodyPr/>
+                    <a:lstStyle/>
+                    <a:p>
+                      <a:r>
+                        <a:rPr lang="fr-FR" dirty="0"/>
+                        <a:t>0.58</a:t>
+                      </a:r>
+                    </a:p>
+                  </a:txBody>
+                  <a:tcPr/>
+                </a:tc>
+                <a:tc>
+                  <a:txBody>
+                    <a:bodyPr/>
+                    <a:lstStyle/>
+                    <a:p>
+                      <a:r>
+                        <a:rPr lang="fr-FR" dirty="0"/>
+                        <a:t>0.026</a:t>
+                      </a:r>
+                    </a:p>
+                  </a:txBody>
+                  <a:tcPr/>
+                </a:tc>
+                <a:tc>
+                  <a:txBody>
+                    <a:bodyPr/>
+                    <a:lstStyle/>
+                    <a:p>
+                      <a:r>
+                        <a:rPr lang="fr-FR" dirty="0"/>
+                        <a:t>0.11</a:t>
+                      </a:r>
+                    </a:p>
+                  </a:txBody>
+                  <a:tcPr/>
+                </a:tc>
+                <a:tc>
+                  <a:txBody>
+                    <a:bodyPr/>
+                    <a:lstStyle/>
+                    <a:p>
+                      <a:endParaRPr lang="fr-FR" dirty="0"/>
+                    </a:p>
+                  </a:txBody>
+                  <a:tcPr/>
+                </a:tc>
+                <a:extLst>
+                  <a:ext uri="{0D108BD9-81ED-4DB2-BD59-A6C34878D82A}">
+                    <a16:rowId xmlns:a16="http://schemas.microsoft.com/office/drawing/2014/main" val="1629363566"/>
+                  </a:ext>
+                </a:extLst>
+              </a:tr>
+              <a:tr h="421105">
+                <a:tc>
+                  <a:txBody>
+                    <a:bodyPr/>
+                    <a:lstStyle/>
+                    <a:p>
+                      <a:pPr marL="0" marR="0" lvl="0" indent="0" algn="l" defTabSz="914400" rtl="0" eaLnBrk="1" fontAlgn="auto" latinLnBrk="0" hangingPunct="1">
+                        <a:lnSpc>
+                          <a:spcPct val="100000"/>
+                        </a:lnSpc>
+                        <a:spcBef>
+                          <a:spcPts val="0"/>
+                        </a:spcBef>
+                        <a:spcAft>
+                          <a:spcPts val="0"/>
+                        </a:spcAft>
+                        <a:buClr>
+                          <a:srgbClr val="000000"/>
+                        </a:buClr>
+                        <a:buSzTx/>
+                        <a:buFont typeface="Arial"/>
+                        <a:buNone/>
+                        <a:tabLst/>
+                        <a:defRPr/>
+                      </a:pPr>
+                      <a:r>
+                        <a:rPr lang="fr-FR" dirty="0" err="1"/>
+                        <a:t>Random</a:t>
+                      </a:r>
+                      <a:r>
+                        <a:rPr lang="fr-FR" dirty="0"/>
+                        <a:t> Forest</a:t>
+                      </a:r>
+                    </a:p>
+                    <a:p>
+                      <a:endParaRPr lang="fr-FR" dirty="0"/>
+                    </a:p>
+                  </a:txBody>
+                  <a:tcPr/>
+                </a:tc>
+                <a:tc>
+                  <a:txBody>
+                    <a:bodyPr/>
+                    <a:lstStyle/>
+                    <a:p>
+                      <a:r>
+                        <a:rPr lang="fr-FR" dirty="0"/>
+                        <a:t>0.87</a:t>
+                      </a:r>
+                    </a:p>
+                  </a:txBody>
+                  <a:tcPr/>
+                </a:tc>
+                <a:tc>
+                  <a:txBody>
+                    <a:bodyPr/>
+                    <a:lstStyle/>
+                    <a:p>
+                      <a:endParaRPr lang="fr-FR"/>
+                    </a:p>
+                  </a:txBody>
+                  <a:tcPr/>
+                </a:tc>
+                <a:tc>
+                  <a:txBody>
+                    <a:bodyPr/>
+                    <a:lstStyle/>
+                    <a:p>
+                      <a:endParaRPr lang="fr-FR"/>
+                    </a:p>
+                  </a:txBody>
+                  <a:tcPr/>
+                </a:tc>
+                <a:tc>
+                  <a:txBody>
+                    <a:bodyPr/>
+                    <a:lstStyle/>
+                    <a:p>
+                      <a:endParaRPr lang="fr-FR"/>
+                    </a:p>
+                  </a:txBody>
+                  <a:tcPr/>
+                </a:tc>
+                <a:extLst>
+                  <a:ext uri="{0D108BD9-81ED-4DB2-BD59-A6C34878D82A}">
+                    <a16:rowId xmlns:a16="http://schemas.microsoft.com/office/drawing/2014/main" val="818845409"/>
+                  </a:ext>
+                </a:extLst>
+              </a:tr>
+              <a:tr h="421105">
+                <a:tc>
+                  <a:txBody>
+                    <a:bodyPr/>
+                    <a:lstStyle/>
+                    <a:p>
+                      <a:pPr marL="0" marR="0" lvl="0" indent="0" algn="l" defTabSz="914400" rtl="0" eaLnBrk="1" fontAlgn="auto" latinLnBrk="0" hangingPunct="1">
+                        <a:lnSpc>
+                          <a:spcPct val="100000"/>
+                        </a:lnSpc>
+                        <a:spcBef>
+                          <a:spcPts val="0"/>
+                        </a:spcBef>
+                        <a:spcAft>
+                          <a:spcPts val="0"/>
+                        </a:spcAft>
+                        <a:buClr>
+                          <a:srgbClr val="000000"/>
+                        </a:buClr>
+                        <a:buSzTx/>
+                        <a:buFont typeface="Arial"/>
+                        <a:buNone/>
+                        <a:tabLst/>
+                        <a:defRPr/>
+                      </a:pPr>
+                      <a:r>
+                        <a:rPr lang="fr-FR" dirty="0" err="1"/>
+                        <a:t>XGboost</a:t>
+                      </a:r>
+                      <a:endParaRPr lang="fr-FR" dirty="0"/>
+                    </a:p>
+                    <a:p>
+                      <a:endParaRPr lang="fr-FR" dirty="0"/>
+                    </a:p>
+                  </a:txBody>
+                  <a:tcPr/>
+                </a:tc>
+                <a:tc>
+                  <a:txBody>
+                    <a:bodyPr/>
+                    <a:lstStyle/>
+                    <a:p>
+                      <a:endParaRPr lang="fr-FR"/>
+                    </a:p>
+                  </a:txBody>
+                  <a:tcPr/>
+                </a:tc>
+                <a:tc>
+                  <a:txBody>
+                    <a:bodyPr/>
+                    <a:lstStyle/>
+                    <a:p>
+                      <a:endParaRPr lang="fr-FR"/>
+                    </a:p>
+                  </a:txBody>
+                  <a:tcPr/>
+                </a:tc>
+                <a:tc>
+                  <a:txBody>
+                    <a:bodyPr/>
+                    <a:lstStyle/>
+                    <a:p>
+                      <a:endParaRPr lang="fr-FR"/>
+                    </a:p>
+                  </a:txBody>
+                  <a:tcPr/>
+                </a:tc>
+                <a:tc>
+                  <a:txBody>
+                    <a:bodyPr/>
+                    <a:lstStyle/>
+                    <a:p>
+                      <a:endParaRPr lang="fr-FR"/>
+                    </a:p>
+                  </a:txBody>
+                  <a:tcPr/>
+                </a:tc>
+                <a:extLst>
+                  <a:ext uri="{0D108BD9-81ED-4DB2-BD59-A6C34878D82A}">
+                    <a16:rowId xmlns:a16="http://schemas.microsoft.com/office/drawing/2014/main" val="3143029204"/>
+                  </a:ext>
+                </a:extLst>
+              </a:tr>
+              <a:tr h="0">
+                <a:tc>
+                  <a:txBody>
+                    <a:bodyPr/>
+                    <a:lstStyle/>
+                    <a:p>
+                      <a:endParaRPr lang="fr-FR" dirty="0"/>
+                    </a:p>
+                  </a:txBody>
+                  <a:tcPr/>
+                </a:tc>
+                <a:tc>
+                  <a:txBody>
+                    <a:bodyPr/>
+                    <a:lstStyle/>
+                    <a:p>
+                      <a:endParaRPr lang="fr-FR" dirty="0"/>
+                    </a:p>
+                  </a:txBody>
+                  <a:tcPr/>
+                </a:tc>
+                <a:tc>
+                  <a:txBody>
+                    <a:bodyPr/>
+                    <a:lstStyle/>
+                    <a:p>
+                      <a:endParaRPr lang="fr-FR" dirty="0"/>
+                    </a:p>
+                  </a:txBody>
+                  <a:tcPr/>
+                </a:tc>
+                <a:tc>
+                  <a:txBody>
+                    <a:bodyPr/>
+                    <a:lstStyle/>
+                    <a:p>
+                      <a:endParaRPr lang="fr-FR" dirty="0"/>
+                    </a:p>
+                  </a:txBody>
+                  <a:tcPr/>
+                </a:tc>
+                <a:tc>
+                  <a:txBody>
+                    <a:bodyPr/>
+                    <a:lstStyle/>
+                    <a:p>
+                      <a:endParaRPr lang="fr-FR" dirty="0"/>
+                    </a:p>
+                  </a:txBody>
+                  <a:tcPr/>
+                </a:tc>
+                <a:extLst>
+                  <a:ext uri="{0D108BD9-81ED-4DB2-BD59-A6C34878D82A}">
+                    <a16:rowId xmlns:a16="http://schemas.microsoft.com/office/drawing/2014/main" val="1675755959"/>
+                  </a:ext>
+                </a:extLst>
+              </a:tr>
+            </a:tbl>
+          </a:graphicData>
+        </a:graphic>
+      </p:graphicFrame>
+      <p:graphicFrame>
+        <p:nvGraphicFramePr>
+          <p:cNvPr id="5" name="Tableau 4">
+            <a:extLst>
+              <a:ext uri="{FF2B5EF4-FFF2-40B4-BE49-F238E27FC236}">
+                <a16:creationId xmlns:a16="http://schemas.microsoft.com/office/drawing/2014/main" id="{5F6335A2-444D-48EE-82BF-3E7D0D6DDF73}"/>
+              </a:ext>
+            </a:extLst>
+          </p:cNvPr>
+          <p:cNvGraphicFramePr>
+            <a:graphicFrameLocks noGrp="1"/>
+          </p:cNvGraphicFramePr>
+          <p:nvPr>
+            <p:extLst>
+              <p:ext uri="{D42A27DB-BD31-4B8C-83A1-F6EECF244321}">
+                <p14:modId xmlns:p14="http://schemas.microsoft.com/office/powerpoint/2010/main" val="3972530205"/>
+              </p:ext>
+            </p:extLst>
+          </p:nvPr>
+        </p:nvGraphicFramePr>
+        <p:xfrm>
+          <a:off x="2416098" y="1211763"/>
+          <a:ext cx="5181598" cy="394010"/>
+        </p:xfrm>
+        <a:graphic>
+          <a:graphicData uri="http://schemas.openxmlformats.org/drawingml/2006/table">
+            <a:tbl>
+              <a:tblPr>
+                <a:tableStyleId>{35758FB7-9AC5-4552-8A53-C91805E547FA}</a:tableStyleId>
+              </a:tblPr>
+              <a:tblGrid>
+                <a:gridCol w="5181598">
+                  <a:extLst>
+                    <a:ext uri="{9D8B030D-6E8A-4147-A177-3AD203B41FA5}">
+                      <a16:colId xmlns:a16="http://schemas.microsoft.com/office/drawing/2014/main" val="3183444217"/>
+                    </a:ext>
+                  </a:extLst>
+                </a:gridCol>
+              </a:tblGrid>
+              <a:tr h="394010">
+                <a:tc>
+                  <a:txBody>
+                    <a:bodyPr/>
+                    <a:lstStyle/>
+                    <a:p>
+                      <a:pPr algn="ctr"/>
+                      <a:r>
+                        <a:rPr lang="fr-FR" sz="1800" b="1" dirty="0">
+                          <a:solidFill>
+                            <a:schemeClr val="accent4">
+                              <a:lumMod val="50000"/>
+                            </a:schemeClr>
+                          </a:solidFill>
+                        </a:rPr>
+                        <a:t>Metrics</a:t>
+                      </a:r>
+                    </a:p>
+                  </a:txBody>
+                  <a:tcPr/>
+                </a:tc>
+                <a:extLst>
+                  <a:ext uri="{0D108BD9-81ED-4DB2-BD59-A6C34878D82A}">
+                    <a16:rowId xmlns:a16="http://schemas.microsoft.com/office/drawing/2014/main" val="1011285497"/>
+                  </a:ext>
+                </a:extLst>
+              </a:tr>
+            </a:tbl>
+          </a:graphicData>
+        </a:graphic>
+      </p:graphicFrame>
+    </p:spTree>
+    <p:extLst>
+      <p:ext uri="{BB962C8B-B14F-4D97-AF65-F5344CB8AC3E}">
+        <p14:creationId xmlns:p14="http://schemas.microsoft.com/office/powerpoint/2010/main" val="3910019749"/>
+      </p:ext>
+    </p:extLst>
   </p:cSld>
   <p:clrMapOvr>
     <a:masterClrMapping/>
